--- a/優化方法基礎/presentation/presentation.pptx
+++ b/優化方法基礎/presentation/presentation.pptx
@@ -5,10 +5,10 @@
     <p:sldMasterId id="2147483648" r:id="rId1"/>
   </p:sldMasterIdLst>
   <p:notesMasterIdLst>
-    <p:notesMasterId r:id="rId15"/>
+    <p:notesMasterId r:id="rId16"/>
   </p:notesMasterIdLst>
   <p:handoutMasterIdLst>
-    <p:handoutMasterId r:id="rId16"/>
+    <p:handoutMasterId r:id="rId17"/>
   </p:handoutMasterIdLst>
   <p:sldIdLst>
     <p:sldId id="263" r:id="rId2"/>
@@ -22,8 +22,9 @@
     <p:sldId id="552" r:id="rId10"/>
     <p:sldId id="544" r:id="rId11"/>
     <p:sldId id="550" r:id="rId12"/>
-    <p:sldId id="551" r:id="rId13"/>
-    <p:sldId id="356" r:id="rId14"/>
+    <p:sldId id="553" r:id="rId13"/>
+    <p:sldId id="551" r:id="rId14"/>
+    <p:sldId id="356" r:id="rId15"/>
   </p:sldIdLst>
   <p:sldSz cx="9144000" cy="6858000" type="screen4x3"/>
   <p:notesSz cx="6858000" cy="9144000"/>
@@ -4702,7 +4703,7 @@
 </p:notes>
 </file>
 
-<file path=ppt/notesSlides/notesSlide2.xml><?xml version="1.0" encoding="utf-8"?>
+<file path=ppt/notesSlides/notesSlide10.xml><?xml version="1.0" encoding="utf-8"?>
 <p:notes xmlns:a="http://schemas.openxmlformats.org/drawingml/2006/main" xmlns:r="http://schemas.openxmlformats.org/officeDocument/2006/relationships" xmlns:p="http://schemas.openxmlformats.org/presentationml/2006/main">
   <p:cSld>
     <p:spTree>
@@ -4751,6 +4752,274 @@
                 <a:spcPct val="150000"/>
               </a:lnSpc>
             </a:pPr>
+            <a:endParaRPr lang="en-US" altLang="zh-CN" sz="1200" b="0" dirty="0">
+              <a:latin typeface="Microsoft YaHei UI" panose="020B0503020204020204" pitchFamily="34" charset="-122"/>
+              <a:ea typeface="Microsoft YaHei UI" panose="020B0503020204020204" pitchFamily="34" charset="-122"/>
+            </a:endParaRPr>
+          </a:p>
+        </p:txBody>
+      </p:sp>
+      <p:sp>
+        <p:nvSpPr>
+          <p:cNvPr id="4" name="灯片编号占位符 3"/>
+          <p:cNvSpPr>
+            <a:spLocks noGrp="1"/>
+          </p:cNvSpPr>
+          <p:nvPr>
+            <p:ph type="sldNum" sz="quarter" idx="5"/>
+          </p:nvPr>
+        </p:nvSpPr>
+        <p:spPr/>
+        <p:txBody>
+          <a:bodyPr/>
+          <a:lstStyle/>
+          <a:p>
+            <a:fld id="{5611A8ED-6551-40FF-AAB9-B579F124B714}" type="slidenum">
+              <a:rPr lang="zh-CN" altLang="en-US" smtClean="0"/>
+              <a:t>12</a:t>
+            </a:fld>
+            <a:endParaRPr lang="zh-CN" altLang="en-US"/>
+          </a:p>
+        </p:txBody>
+      </p:sp>
+    </p:spTree>
+    <p:extLst>
+      <p:ext uri="{BB962C8B-B14F-4D97-AF65-F5344CB8AC3E}">
+        <p14:creationId xmlns:p14="http://schemas.microsoft.com/office/powerpoint/2010/main" val="3604106765"/>
+      </p:ext>
+    </p:extLst>
+  </p:cSld>
+  <p:clrMapOvr>
+    <a:masterClrMapping/>
+  </p:clrMapOvr>
+</p:notes>
+</file>
+
+<file path=ppt/notesSlides/notesSlide11.xml><?xml version="1.0" encoding="utf-8"?>
+<p:notes xmlns:a="http://schemas.openxmlformats.org/drawingml/2006/main" xmlns:r="http://schemas.openxmlformats.org/officeDocument/2006/relationships" xmlns:p="http://schemas.openxmlformats.org/presentationml/2006/main">
+  <p:cSld>
+    <p:spTree>
+      <p:nvGrpSpPr>
+        <p:cNvPr id="1" name=""/>
+        <p:cNvGrpSpPr/>
+        <p:nvPr/>
+      </p:nvGrpSpPr>
+      <p:grpSpPr>
+        <a:xfrm>
+          <a:off x="0" y="0"/>
+          <a:ext cx="0" cy="0"/>
+          <a:chOff x="0" y="0"/>
+          <a:chExt cx="0" cy="0"/>
+        </a:xfrm>
+      </p:grpSpPr>
+      <p:sp>
+        <p:nvSpPr>
+          <p:cNvPr id="2" name="幻灯片图像占位符 1"/>
+          <p:cNvSpPr>
+            <a:spLocks noGrp="1" noRot="1" noChangeAspect="1"/>
+          </p:cNvSpPr>
+          <p:nvPr>
+            <p:ph type="sldImg"/>
+          </p:nvPr>
+        </p:nvSpPr>
+        <p:spPr/>
+      </p:sp>
+      <p:sp>
+        <p:nvSpPr>
+          <p:cNvPr id="3" name="备注占位符 2"/>
+          <p:cNvSpPr>
+            <a:spLocks noGrp="1"/>
+          </p:cNvSpPr>
+          <p:nvPr>
+            <p:ph type="body" idx="1"/>
+          </p:nvPr>
+        </p:nvSpPr>
+        <p:spPr/>
+        <p:txBody>
+          <a:bodyPr/>
+          <a:lstStyle/>
+          <a:p>
+            <a:pPr marL="342900" indent="-342900" defTabSz="504000">
+              <a:lnSpc>
+                <a:spcPct val="150000"/>
+              </a:lnSpc>
+            </a:pPr>
+            <a:endParaRPr lang="en-US" altLang="zh-CN" sz="1200" b="0" dirty="0">
+              <a:latin typeface="Microsoft YaHei UI" panose="020B0503020204020204" pitchFamily="34" charset="-122"/>
+              <a:ea typeface="Microsoft YaHei UI" panose="020B0503020204020204" pitchFamily="34" charset="-122"/>
+            </a:endParaRPr>
+          </a:p>
+        </p:txBody>
+      </p:sp>
+      <p:sp>
+        <p:nvSpPr>
+          <p:cNvPr id="4" name="灯片编号占位符 3"/>
+          <p:cNvSpPr>
+            <a:spLocks noGrp="1"/>
+          </p:cNvSpPr>
+          <p:nvPr>
+            <p:ph type="sldNum" sz="quarter" idx="5"/>
+          </p:nvPr>
+        </p:nvSpPr>
+        <p:spPr/>
+        <p:txBody>
+          <a:bodyPr/>
+          <a:lstStyle/>
+          <a:p>
+            <a:fld id="{5611A8ED-6551-40FF-AAB9-B579F124B714}" type="slidenum">
+              <a:rPr lang="zh-CN" altLang="en-US" smtClean="0"/>
+              <a:t>13</a:t>
+            </a:fld>
+            <a:endParaRPr lang="zh-CN" altLang="en-US"/>
+          </a:p>
+        </p:txBody>
+      </p:sp>
+    </p:spTree>
+    <p:extLst>
+      <p:ext uri="{BB962C8B-B14F-4D97-AF65-F5344CB8AC3E}">
+        <p14:creationId xmlns:p14="http://schemas.microsoft.com/office/powerpoint/2010/main" val="1914324004"/>
+      </p:ext>
+    </p:extLst>
+  </p:cSld>
+  <p:clrMapOvr>
+    <a:masterClrMapping/>
+  </p:clrMapOvr>
+</p:notes>
+</file>
+
+<file path=ppt/notesSlides/notesSlide2.xml><?xml version="1.0" encoding="utf-8"?>
+<p:notes xmlns:a="http://schemas.openxmlformats.org/drawingml/2006/main" xmlns:r="http://schemas.openxmlformats.org/officeDocument/2006/relationships" xmlns:p="http://schemas.openxmlformats.org/presentationml/2006/main">
+  <p:cSld>
+    <p:spTree>
+      <p:nvGrpSpPr>
+        <p:cNvPr id="1" name=""/>
+        <p:cNvGrpSpPr/>
+        <p:nvPr/>
+      </p:nvGrpSpPr>
+      <p:grpSpPr>
+        <a:xfrm>
+          <a:off x="0" y="0"/>
+          <a:ext cx="0" cy="0"/>
+          <a:chOff x="0" y="0"/>
+          <a:chExt cx="0" cy="0"/>
+        </a:xfrm>
+      </p:grpSpPr>
+      <p:sp>
+        <p:nvSpPr>
+          <p:cNvPr id="2" name="幻灯片图像占位符 1"/>
+          <p:cNvSpPr>
+            <a:spLocks noGrp="1" noRot="1" noChangeAspect="1"/>
+          </p:cNvSpPr>
+          <p:nvPr>
+            <p:ph type="sldImg"/>
+          </p:nvPr>
+        </p:nvSpPr>
+        <p:spPr/>
+      </p:sp>
+      <p:sp>
+        <p:nvSpPr>
+          <p:cNvPr id="3" name="备注占位符 2"/>
+          <p:cNvSpPr>
+            <a:spLocks noGrp="1"/>
+          </p:cNvSpPr>
+          <p:nvPr>
+            <p:ph type="body" idx="1"/>
+          </p:nvPr>
+        </p:nvSpPr>
+        <p:spPr/>
+        <p:txBody>
+          <a:bodyPr/>
+          <a:lstStyle/>
+          <a:p>
+            <a:endParaRPr lang="zh-CN" altLang="en-US" dirty="0"/>
+          </a:p>
+        </p:txBody>
+      </p:sp>
+      <p:sp>
+        <p:nvSpPr>
+          <p:cNvPr id="4" name="灯片编号占位符 3"/>
+          <p:cNvSpPr>
+            <a:spLocks noGrp="1"/>
+          </p:cNvSpPr>
+          <p:nvPr>
+            <p:ph type="sldNum" sz="quarter" idx="5"/>
+          </p:nvPr>
+        </p:nvSpPr>
+        <p:spPr/>
+        <p:txBody>
+          <a:bodyPr/>
+          <a:lstStyle/>
+          <a:p>
+            <a:fld id="{5611A8ED-6551-40FF-AAB9-B579F124B714}" type="slidenum">
+              <a:rPr lang="zh-CN" altLang="en-US" smtClean="0"/>
+              <a:t>2</a:t>
+            </a:fld>
+            <a:endParaRPr lang="zh-CN" altLang="en-US"/>
+          </a:p>
+        </p:txBody>
+      </p:sp>
+    </p:spTree>
+    <p:extLst>
+      <p:ext uri="{BB962C8B-B14F-4D97-AF65-F5344CB8AC3E}">
+        <p14:creationId xmlns:p14="http://schemas.microsoft.com/office/powerpoint/2010/main" val="853724446"/>
+      </p:ext>
+    </p:extLst>
+  </p:cSld>
+  <p:clrMapOvr>
+    <a:masterClrMapping/>
+  </p:clrMapOvr>
+</p:notes>
+</file>
+
+<file path=ppt/notesSlides/notesSlide3.xml><?xml version="1.0" encoding="utf-8"?>
+<p:notes xmlns:a="http://schemas.openxmlformats.org/drawingml/2006/main" xmlns:r="http://schemas.openxmlformats.org/officeDocument/2006/relationships" xmlns:p="http://schemas.openxmlformats.org/presentationml/2006/main">
+  <p:cSld>
+    <p:spTree>
+      <p:nvGrpSpPr>
+        <p:cNvPr id="1" name=""/>
+        <p:cNvGrpSpPr/>
+        <p:nvPr/>
+      </p:nvGrpSpPr>
+      <p:grpSpPr>
+        <a:xfrm>
+          <a:off x="0" y="0"/>
+          <a:ext cx="0" cy="0"/>
+          <a:chOff x="0" y="0"/>
+          <a:chExt cx="0" cy="0"/>
+        </a:xfrm>
+      </p:grpSpPr>
+      <p:sp>
+        <p:nvSpPr>
+          <p:cNvPr id="2" name="幻灯片图像占位符 1"/>
+          <p:cNvSpPr>
+            <a:spLocks noGrp="1" noRot="1" noChangeAspect="1"/>
+          </p:cNvSpPr>
+          <p:nvPr>
+            <p:ph type="sldImg"/>
+          </p:nvPr>
+        </p:nvSpPr>
+        <p:spPr/>
+      </p:sp>
+      <p:sp>
+        <p:nvSpPr>
+          <p:cNvPr id="3" name="备注占位符 2"/>
+          <p:cNvSpPr>
+            <a:spLocks noGrp="1"/>
+          </p:cNvSpPr>
+          <p:nvPr>
+            <p:ph type="body" idx="1"/>
+          </p:nvPr>
+        </p:nvSpPr>
+        <p:spPr/>
+        <p:txBody>
+          <a:bodyPr/>
+          <a:lstStyle/>
+          <a:p>
+            <a:pPr marL="342900" indent="-342900" defTabSz="504000">
+              <a:lnSpc>
+                <a:spcPct val="150000"/>
+              </a:lnSpc>
+            </a:pPr>
             <a:r>
               <a:rPr lang="zh-CN" altLang="en-US" sz="1200" b="0" dirty="0">
                 <a:latin typeface="Microsoft YaHei UI" panose="020B0503020204020204" pitchFamily="34" charset="-122"/>
@@ -4801,7 +5070,7 @@
 </p:notes>
 </file>
 
-<file path=ppt/notesSlides/notesSlide3.xml><?xml version="1.0" encoding="utf-8"?>
+<file path=ppt/notesSlides/notesSlide4.xml><?xml version="1.0" encoding="utf-8"?>
 <p:notes xmlns:a="http://schemas.openxmlformats.org/drawingml/2006/main" xmlns:r="http://schemas.openxmlformats.org/officeDocument/2006/relationships" xmlns:p="http://schemas.openxmlformats.org/presentationml/2006/main">
   <p:cSld>
     <p:spTree>
@@ -4893,7 +5162,7 @@
 </p:notes>
 </file>
 
-<file path=ppt/notesSlides/notesSlide4.xml><?xml version="1.0" encoding="utf-8"?>
+<file path=ppt/notesSlides/notesSlide5.xml><?xml version="1.0" encoding="utf-8"?>
 <p:notes xmlns:a="http://schemas.openxmlformats.org/drawingml/2006/main" xmlns:r="http://schemas.openxmlformats.org/officeDocument/2006/relationships" xmlns:p="http://schemas.openxmlformats.org/presentationml/2006/main">
   <p:cSld>
     <p:spTree>
@@ -4985,7 +5254,7 @@
 </p:notes>
 </file>
 
-<file path=ppt/notesSlides/notesSlide5.xml><?xml version="1.0" encoding="utf-8"?>
+<file path=ppt/notesSlides/notesSlide6.xml><?xml version="1.0" encoding="utf-8"?>
 <p:notes xmlns:a="http://schemas.openxmlformats.org/drawingml/2006/main" xmlns:r="http://schemas.openxmlformats.org/officeDocument/2006/relationships" xmlns:p="http://schemas.openxmlformats.org/presentationml/2006/main">
   <p:cSld>
     <p:spTree>
@@ -5077,7 +5346,7 @@
 </p:notes>
 </file>
 
-<file path=ppt/notesSlides/notesSlide6.xml><?xml version="1.0" encoding="utf-8"?>
+<file path=ppt/notesSlides/notesSlide7.xml><?xml version="1.0" encoding="utf-8"?>
 <p:notes xmlns:a="http://schemas.openxmlformats.org/drawingml/2006/main" xmlns:r="http://schemas.openxmlformats.org/officeDocument/2006/relationships" xmlns:p="http://schemas.openxmlformats.org/presentationml/2006/main">
   <p:cSld>
     <p:spTree>
@@ -5169,7 +5438,7 @@
 </p:notes>
 </file>
 
-<file path=ppt/notesSlides/notesSlide7.xml><?xml version="1.0" encoding="utf-8"?>
+<file path=ppt/notesSlides/notesSlide8.xml><?xml version="1.0" encoding="utf-8"?>
 <p:notes xmlns:a="http://schemas.openxmlformats.org/drawingml/2006/main" xmlns:r="http://schemas.openxmlformats.org/officeDocument/2006/relationships" xmlns:p="http://schemas.openxmlformats.org/presentationml/2006/main">
   <p:cSld>
     <p:spTree>
@@ -5261,7 +5530,7 @@
 </p:notes>
 </file>
 
-<file path=ppt/notesSlides/notesSlide8.xml><?xml version="1.0" encoding="utf-8"?>
+<file path=ppt/notesSlides/notesSlide9.xml><?xml version="1.0" encoding="utf-8"?>
 <p:notes xmlns:a="http://schemas.openxmlformats.org/drawingml/2006/main" xmlns:r="http://schemas.openxmlformats.org/officeDocument/2006/relationships" xmlns:p="http://schemas.openxmlformats.org/presentationml/2006/main">
   <p:cSld>
     <p:spTree>
@@ -5344,98 +5613,6 @@
     <p:extLst>
       <p:ext uri="{BB962C8B-B14F-4D97-AF65-F5344CB8AC3E}">
         <p14:creationId xmlns:p14="http://schemas.microsoft.com/office/powerpoint/2010/main" val="1545000426"/>
-      </p:ext>
-    </p:extLst>
-  </p:cSld>
-  <p:clrMapOvr>
-    <a:masterClrMapping/>
-  </p:clrMapOvr>
-</p:notes>
-</file>
-
-<file path=ppt/notesSlides/notesSlide9.xml><?xml version="1.0" encoding="utf-8"?>
-<p:notes xmlns:a="http://schemas.openxmlformats.org/drawingml/2006/main" xmlns:r="http://schemas.openxmlformats.org/officeDocument/2006/relationships" xmlns:p="http://schemas.openxmlformats.org/presentationml/2006/main">
-  <p:cSld>
-    <p:spTree>
-      <p:nvGrpSpPr>
-        <p:cNvPr id="1" name=""/>
-        <p:cNvGrpSpPr/>
-        <p:nvPr/>
-      </p:nvGrpSpPr>
-      <p:grpSpPr>
-        <a:xfrm>
-          <a:off x="0" y="0"/>
-          <a:ext cx="0" cy="0"/>
-          <a:chOff x="0" y="0"/>
-          <a:chExt cx="0" cy="0"/>
-        </a:xfrm>
-      </p:grpSpPr>
-      <p:sp>
-        <p:nvSpPr>
-          <p:cNvPr id="2" name="幻灯片图像占位符 1"/>
-          <p:cNvSpPr>
-            <a:spLocks noGrp="1" noRot="1" noChangeAspect="1"/>
-          </p:cNvSpPr>
-          <p:nvPr>
-            <p:ph type="sldImg"/>
-          </p:nvPr>
-        </p:nvSpPr>
-        <p:spPr/>
-      </p:sp>
-      <p:sp>
-        <p:nvSpPr>
-          <p:cNvPr id="3" name="备注占位符 2"/>
-          <p:cNvSpPr>
-            <a:spLocks noGrp="1"/>
-          </p:cNvSpPr>
-          <p:nvPr>
-            <p:ph type="body" idx="1"/>
-          </p:nvPr>
-        </p:nvSpPr>
-        <p:spPr/>
-        <p:txBody>
-          <a:bodyPr/>
-          <a:lstStyle/>
-          <a:p>
-            <a:pPr marL="342900" indent="-342900" defTabSz="504000">
-              <a:lnSpc>
-                <a:spcPct val="150000"/>
-              </a:lnSpc>
-            </a:pPr>
-            <a:endParaRPr lang="en-US" altLang="zh-CN" sz="1200" b="0" dirty="0">
-              <a:latin typeface="Microsoft YaHei UI" panose="020B0503020204020204" pitchFamily="34" charset="-122"/>
-              <a:ea typeface="Microsoft YaHei UI" panose="020B0503020204020204" pitchFamily="34" charset="-122"/>
-            </a:endParaRPr>
-          </a:p>
-        </p:txBody>
-      </p:sp>
-      <p:sp>
-        <p:nvSpPr>
-          <p:cNvPr id="4" name="灯片编号占位符 3"/>
-          <p:cNvSpPr>
-            <a:spLocks noGrp="1"/>
-          </p:cNvSpPr>
-          <p:nvPr>
-            <p:ph type="sldNum" sz="quarter" idx="5"/>
-          </p:nvPr>
-        </p:nvSpPr>
-        <p:spPr/>
-        <p:txBody>
-          <a:bodyPr/>
-          <a:lstStyle/>
-          <a:p>
-            <a:fld id="{5611A8ED-6551-40FF-AAB9-B579F124B714}" type="slidenum">
-              <a:rPr lang="zh-CN" altLang="en-US" smtClean="0"/>
-              <a:t>12</a:t>
-            </a:fld>
-            <a:endParaRPr lang="zh-CN" altLang="en-US"/>
-          </a:p>
-        </p:txBody>
-      </p:sp>
-    </p:spTree>
-    <p:extLst>
-      <p:ext uri="{BB962C8B-B14F-4D97-AF65-F5344CB8AC3E}">
-        <p14:creationId xmlns:p14="http://schemas.microsoft.com/office/powerpoint/2010/main" val="1914324004"/>
       </p:ext>
     </p:extLst>
   </p:cSld>
@@ -10806,6 +10983,2340 @@
 </file>
 
 <file path=ppt/slides/slide12.xml><?xml version="1.0" encoding="utf-8"?>
+<p:sld xmlns:a="http://schemas.openxmlformats.org/drawingml/2006/main" xmlns:r="http://schemas.openxmlformats.org/officeDocument/2006/relationships" xmlns:p="http://schemas.openxmlformats.org/presentationml/2006/main">
+  <p:cSld>
+    <p:spTree>
+      <p:nvGrpSpPr>
+        <p:cNvPr id="1" name=""/>
+        <p:cNvGrpSpPr/>
+        <p:nvPr/>
+      </p:nvGrpSpPr>
+      <p:grpSpPr>
+        <a:xfrm>
+          <a:off x="0" y="0"/>
+          <a:ext cx="0" cy="0"/>
+          <a:chOff x="0" y="0"/>
+          <a:chExt cx="0" cy="0"/>
+        </a:xfrm>
+      </p:grpSpPr>
+      <p:sp>
+        <p:nvSpPr>
+          <p:cNvPr id="2" name="文本框 1">
+            <a:extLst>
+              <a:ext uri="{FF2B5EF4-FFF2-40B4-BE49-F238E27FC236}">
+                <a16:creationId xmlns:a16="http://schemas.microsoft.com/office/drawing/2014/main" id="{5D4787B7-C51D-2885-DDFC-D006302FF808}"/>
+              </a:ext>
+            </a:extLst>
+          </p:cNvPr>
+          <p:cNvSpPr txBox="1"/>
+          <p:nvPr/>
+        </p:nvSpPr>
+        <p:spPr>
+          <a:xfrm>
+            <a:off x="282370" y="1052736"/>
+            <a:ext cx="8538102" cy="581826"/>
+          </a:xfrm>
+          <a:prstGeom prst="rect">
+            <a:avLst/>
+          </a:prstGeom>
+          <a:noFill/>
+        </p:spPr>
+        <p:txBody>
+          <a:bodyPr wrap="square">
+            <a:spAutoFit/>
+          </a:bodyPr>
+          <a:lstStyle/>
+          <a:p>
+            <a:pPr marL="342900" indent="-342900" defTabSz="504000">
+              <a:lnSpc>
+                <a:spcPct val="150000"/>
+              </a:lnSpc>
+            </a:pPr>
+            <a:r>
+              <a:rPr lang="en-US" altLang="zh-CN" dirty="0">
+                <a:latin typeface="Microsoft YaHei UI" panose="020B0503020204020204" pitchFamily="34" charset="-122"/>
+                <a:ea typeface="Microsoft YaHei UI" panose="020B0503020204020204" pitchFamily="34" charset="-122"/>
+              </a:rPr>
+              <a:t>Python </a:t>
+            </a:r>
+            <a:r>
+              <a:rPr lang="zh-CN" altLang="en-US" dirty="0">
+                <a:latin typeface="Microsoft YaHei UI" panose="020B0503020204020204" pitchFamily="34" charset="-122"/>
+                <a:ea typeface="Microsoft YaHei UI" panose="020B0503020204020204" pitchFamily="34" charset="-122"/>
+              </a:rPr>
+              <a:t>代码求解</a:t>
+            </a:r>
+            <a:endParaRPr lang="en-US" altLang="zh-CN" dirty="0">
+              <a:latin typeface="Microsoft YaHei UI" panose="020B0503020204020204" pitchFamily="34" charset="-122"/>
+              <a:ea typeface="Microsoft YaHei UI" panose="020B0503020204020204" pitchFamily="34" charset="-122"/>
+            </a:endParaRPr>
+          </a:p>
+        </p:txBody>
+      </p:sp>
+      <p:pic>
+        <p:nvPicPr>
+          <p:cNvPr id="3" name="图片 2">
+            <a:extLst>
+              <a:ext uri="{FF2B5EF4-FFF2-40B4-BE49-F238E27FC236}">
+                <a16:creationId xmlns:a16="http://schemas.microsoft.com/office/drawing/2014/main" id="{D6751E06-69DB-F4A5-7D5E-04938B373AFB}"/>
+              </a:ext>
+            </a:extLst>
+          </p:cNvPr>
+          <p:cNvPicPr>
+            <a:picLocks noChangeAspect="1"/>
+          </p:cNvPicPr>
+          <p:nvPr/>
+        </p:nvPicPr>
+        <p:blipFill>
+          <a:blip r:embed="rId3">
+            <a:extLst>
+              <a:ext uri="{28A0092B-C50C-407E-A947-70E740481C1C}">
+                <a14:useLocalDpi xmlns:a14="http://schemas.microsoft.com/office/drawing/2010/main" val="0"/>
+              </a:ext>
+            </a:extLst>
+          </a:blip>
+          <a:stretch>
+            <a:fillRect/>
+          </a:stretch>
+        </p:blipFill>
+        <p:spPr>
+          <a:xfrm>
+            <a:off x="107504" y="58920"/>
+            <a:ext cx="864096" cy="864096"/>
+          </a:xfrm>
+          <a:prstGeom prst="rect">
+            <a:avLst/>
+          </a:prstGeom>
+        </p:spPr>
+      </p:pic>
+      <p:sp>
+        <p:nvSpPr>
+          <p:cNvPr id="4" name="文本框 3">
+            <a:extLst>
+              <a:ext uri="{FF2B5EF4-FFF2-40B4-BE49-F238E27FC236}">
+                <a16:creationId xmlns:a16="http://schemas.microsoft.com/office/drawing/2014/main" id="{FF717B13-55CF-2EA9-D77A-251DE52D1633}"/>
+              </a:ext>
+            </a:extLst>
+          </p:cNvPr>
+          <p:cNvSpPr txBox="1"/>
+          <p:nvPr/>
+        </p:nvSpPr>
+        <p:spPr>
+          <a:xfrm>
+            <a:off x="899592" y="278602"/>
+            <a:ext cx="1766253" cy="424732"/>
+          </a:xfrm>
+          <a:prstGeom prst="rect">
+            <a:avLst/>
+          </a:prstGeom>
+          <a:noFill/>
+        </p:spPr>
+        <p:txBody>
+          <a:bodyPr wrap="none" rtlCol="0">
+            <a:spAutoFit/>
+          </a:bodyPr>
+          <a:lstStyle/>
+          <a:p>
+            <a:pPr>
+              <a:buNone/>
+            </a:pPr>
+            <a:r>
+              <a:rPr lang="en-US" altLang="zh-CN" dirty="0">
+                <a:latin typeface="Microsoft YaHei UI" panose="020B0503020204020204" pitchFamily="34" charset="-122"/>
+                <a:ea typeface="Microsoft YaHei UI" panose="020B0503020204020204" pitchFamily="34" charset="-122"/>
+              </a:rPr>
+              <a:t> EXAMPLE</a:t>
+            </a:r>
+          </a:p>
+        </p:txBody>
+      </p:sp>
+      <p:sp>
+        <p:nvSpPr>
+          <p:cNvPr id="6" name="矩形 5">
+            <a:extLst>
+              <a:ext uri="{FF2B5EF4-FFF2-40B4-BE49-F238E27FC236}">
+                <a16:creationId xmlns:a16="http://schemas.microsoft.com/office/drawing/2014/main" id="{D0547816-87E1-FF0B-B027-CF24412C9EA8}"/>
+              </a:ext>
+            </a:extLst>
+          </p:cNvPr>
+          <p:cNvSpPr/>
+          <p:nvPr/>
+        </p:nvSpPr>
+        <p:spPr bwMode="auto">
+          <a:xfrm>
+            <a:off x="539552" y="1700808"/>
+            <a:ext cx="6192688" cy="4708981"/>
+          </a:xfrm>
+          <a:prstGeom prst="rect">
+            <a:avLst/>
+          </a:prstGeom>
+          <a:solidFill>
+            <a:schemeClr val="bg2">
+              <a:lumMod val="20000"/>
+              <a:lumOff val="80000"/>
+            </a:schemeClr>
+          </a:solidFill>
+          <a:ln w="12700">
+            <a:solidFill>
+              <a:schemeClr val="tx2"/>
+            </a:solidFill>
+            <a:headEnd type="none" w="med" len="med"/>
+            <a:tailEnd type="none" w="med" len="med"/>
+          </a:ln>
+        </p:spPr>
+        <p:style>
+          <a:lnRef idx="2">
+            <a:schemeClr val="dk1"/>
+          </a:lnRef>
+          <a:fillRef idx="1">
+            <a:schemeClr val="lt1"/>
+          </a:fillRef>
+          <a:effectRef idx="0">
+            <a:schemeClr val="dk1"/>
+          </a:effectRef>
+          <a:fontRef idx="minor">
+            <a:schemeClr val="dk1"/>
+          </a:fontRef>
+        </p:style>
+        <p:txBody>
+          <a:bodyPr vert="horz" wrap="square" lIns="91440" tIns="45720" rIns="91440" bIns="45720" numCol="1" rtlCol="0" anchor="t" anchorCtr="0" compatLnSpc="1">
+            <a:prstTxWarp prst="textNoShape">
+              <a:avLst/>
+            </a:prstTxWarp>
+            <a:spAutoFit/>
+          </a:bodyPr>
+          <a:lstStyle/>
+          <a:p>
+            <a:pPr marL="0" marR="0" indent="0" defTabSz="914400" rtl="0" eaLnBrk="1" fontAlgn="base" latinLnBrk="0" hangingPunct="1">
+              <a:lnSpc>
+                <a:spcPct val="100000"/>
+              </a:lnSpc>
+              <a:spcBef>
+                <a:spcPts val="0"/>
+              </a:spcBef>
+              <a:spcAft>
+                <a:spcPct val="0"/>
+              </a:spcAft>
+              <a:buClrTx/>
+              <a:buSzTx/>
+              <a:buFontTx/>
+              <a:buNone/>
+              <a:tabLst/>
+            </a:pPr>
+            <a:r>
+              <a:rPr kumimoji="0" lang="en-US" altLang="zh-CN" sz="1200" b="0" i="0" u="none" strike="noStrike" cap="none" normalizeH="0" baseline="0" dirty="0" err="1">
+                <a:ln>
+                  <a:noFill/>
+                </a:ln>
+                <a:solidFill>
+                  <a:schemeClr val="tx1"/>
+                </a:solidFill>
+                <a:effectLst/>
+                <a:latin typeface="Consolas" panose="020B0609020204030204" pitchFamily="49" charset="0"/>
+              </a:rPr>
+              <a:t>fname</a:t>
+            </a:r>
+            <a:r>
+              <a:rPr kumimoji="0" lang="en-US" altLang="zh-CN" sz="1200" b="0" i="0" u="none" strike="noStrike" cap="none" normalizeH="0" baseline="0" dirty="0">
+                <a:ln>
+                  <a:noFill/>
+                </a:ln>
+                <a:solidFill>
+                  <a:schemeClr val="tx1"/>
+                </a:solidFill>
+                <a:effectLst/>
+                <a:latin typeface="Consolas" panose="020B0609020204030204" pitchFamily="49" charset="0"/>
+              </a:rPr>
+              <a:t> = "./data/ulysses16TSP.csv"</a:t>
+            </a:r>
+          </a:p>
+          <a:p>
+            <a:pPr marL="0" marR="0" indent="0" defTabSz="914400" rtl="0" eaLnBrk="1" fontAlgn="base" latinLnBrk="0" hangingPunct="1">
+              <a:lnSpc>
+                <a:spcPct val="100000"/>
+              </a:lnSpc>
+              <a:spcBef>
+                <a:spcPts val="0"/>
+              </a:spcBef>
+              <a:spcAft>
+                <a:spcPct val="0"/>
+              </a:spcAft>
+              <a:buClrTx/>
+              <a:buSzTx/>
+              <a:buFontTx/>
+              <a:buNone/>
+              <a:tabLst/>
+            </a:pPr>
+            <a:r>
+              <a:rPr kumimoji="0" lang="en-US" altLang="zh-CN" sz="1200" b="0" i="0" u="none" strike="noStrike" cap="none" normalizeH="0" baseline="0" dirty="0">
+                <a:ln>
+                  <a:noFill/>
+                </a:ln>
+                <a:solidFill>
+                  <a:schemeClr val="tx1"/>
+                </a:solidFill>
+                <a:effectLst/>
+                <a:latin typeface="Consolas" panose="020B0609020204030204" pitchFamily="49" charset="0"/>
+              </a:rPr>
+              <a:t>data = </a:t>
+            </a:r>
+            <a:r>
+              <a:rPr kumimoji="0" lang="en-US" altLang="zh-CN" sz="1200" b="0" i="0" u="none" strike="noStrike" cap="none" normalizeH="0" baseline="0" dirty="0" err="1">
+                <a:ln>
+                  <a:noFill/>
+                </a:ln>
+                <a:solidFill>
+                  <a:schemeClr val="tx1"/>
+                </a:solidFill>
+                <a:effectLst/>
+                <a:latin typeface="Consolas" panose="020B0609020204030204" pitchFamily="49" charset="0"/>
+              </a:rPr>
+              <a:t>pd.read_csv</a:t>
+            </a:r>
+            <a:r>
+              <a:rPr kumimoji="0" lang="en-US" altLang="zh-CN" sz="1200" b="0" i="0" u="none" strike="noStrike" cap="none" normalizeH="0" baseline="0" dirty="0">
+                <a:ln>
+                  <a:noFill/>
+                </a:ln>
+                <a:solidFill>
+                  <a:schemeClr val="tx1"/>
+                </a:solidFill>
+                <a:effectLst/>
+                <a:latin typeface="Consolas" panose="020B0609020204030204" pitchFamily="49" charset="0"/>
+              </a:rPr>
+              <a:t>(</a:t>
+            </a:r>
+            <a:r>
+              <a:rPr kumimoji="0" lang="en-US" altLang="zh-CN" sz="1200" b="0" i="0" u="none" strike="noStrike" cap="none" normalizeH="0" baseline="0" dirty="0" err="1">
+                <a:ln>
+                  <a:noFill/>
+                </a:ln>
+                <a:solidFill>
+                  <a:schemeClr val="tx1"/>
+                </a:solidFill>
+                <a:effectLst/>
+                <a:latin typeface="Consolas" panose="020B0609020204030204" pitchFamily="49" charset="0"/>
+              </a:rPr>
+              <a:t>fname</a:t>
+            </a:r>
+            <a:r>
+              <a:rPr kumimoji="0" lang="en-US" altLang="zh-CN" sz="1200" b="0" i="0" u="none" strike="noStrike" cap="none" normalizeH="0" baseline="0" dirty="0">
+                <a:ln>
+                  <a:noFill/>
+                </a:ln>
+                <a:solidFill>
+                  <a:schemeClr val="tx1"/>
+                </a:solidFill>
+                <a:effectLst/>
+                <a:latin typeface="Consolas" panose="020B0609020204030204" pitchFamily="49" charset="0"/>
+              </a:rPr>
+              <a:t>, </a:t>
+            </a:r>
+            <a:r>
+              <a:rPr kumimoji="0" lang="en-US" altLang="zh-CN" sz="1200" b="0" i="0" u="none" strike="noStrike" cap="none" normalizeH="0" baseline="0" dirty="0" err="1">
+                <a:ln>
+                  <a:noFill/>
+                </a:ln>
+                <a:solidFill>
+                  <a:schemeClr val="tx1"/>
+                </a:solidFill>
+                <a:effectLst/>
+                <a:latin typeface="Consolas" panose="020B0609020204030204" pitchFamily="49" charset="0"/>
+              </a:rPr>
+              <a:t>index_col</a:t>
+            </a:r>
+            <a:r>
+              <a:rPr kumimoji="0" lang="en-US" altLang="zh-CN" sz="1200" b="0" i="0" u="none" strike="noStrike" cap="none" normalizeH="0" baseline="0" dirty="0">
+                <a:ln>
+                  <a:noFill/>
+                </a:ln>
+                <a:solidFill>
+                  <a:schemeClr val="tx1"/>
+                </a:solidFill>
+                <a:effectLst/>
+                <a:latin typeface="Consolas" panose="020B0609020204030204" pitchFamily="49" charset="0"/>
+              </a:rPr>
+              <a:t>=0) </a:t>
+            </a:r>
+          </a:p>
+          <a:p>
+            <a:pPr marL="0" marR="0" indent="0" defTabSz="914400" rtl="0" eaLnBrk="1" fontAlgn="base" latinLnBrk="0" hangingPunct="1">
+              <a:lnSpc>
+                <a:spcPct val="100000"/>
+              </a:lnSpc>
+              <a:spcBef>
+                <a:spcPts val="0"/>
+              </a:spcBef>
+              <a:spcAft>
+                <a:spcPct val="0"/>
+              </a:spcAft>
+              <a:buClrTx/>
+              <a:buSzTx/>
+              <a:buFontTx/>
+              <a:buNone/>
+              <a:tabLst/>
+            </a:pPr>
+            <a:r>
+              <a:rPr kumimoji="0" lang="en-US" altLang="zh-CN" sz="1200" b="0" i="0" u="none" strike="noStrike" cap="none" normalizeH="0" baseline="0" dirty="0" err="1">
+                <a:ln>
+                  <a:noFill/>
+                </a:ln>
+                <a:solidFill>
+                  <a:schemeClr val="tx1"/>
+                </a:solidFill>
+                <a:effectLst/>
+                <a:latin typeface="Consolas" panose="020B0609020204030204" pitchFamily="49" charset="0"/>
+              </a:rPr>
+              <a:t>dist</a:t>
+            </a:r>
+            <a:r>
+              <a:rPr kumimoji="0" lang="en-US" altLang="zh-CN" sz="1200" b="0" i="0" u="none" strike="noStrike" cap="none" normalizeH="0" baseline="0" dirty="0">
+                <a:ln>
+                  <a:noFill/>
+                </a:ln>
+                <a:solidFill>
+                  <a:schemeClr val="tx1"/>
+                </a:solidFill>
+                <a:effectLst/>
+                <a:latin typeface="Consolas" panose="020B0609020204030204" pitchFamily="49" charset="0"/>
+              </a:rPr>
+              <a:t> = distance(data)</a:t>
+            </a:r>
+          </a:p>
+          <a:p>
+            <a:pPr marL="0" marR="0" indent="0" defTabSz="914400" rtl="0" eaLnBrk="1" fontAlgn="base" latinLnBrk="0" hangingPunct="1">
+              <a:lnSpc>
+                <a:spcPct val="100000"/>
+              </a:lnSpc>
+              <a:spcBef>
+                <a:spcPts val="0"/>
+              </a:spcBef>
+              <a:spcAft>
+                <a:spcPct val="0"/>
+              </a:spcAft>
+              <a:buClrTx/>
+              <a:buSzTx/>
+              <a:buFontTx/>
+              <a:buNone/>
+              <a:tabLst/>
+            </a:pPr>
+            <a:r>
+              <a:rPr kumimoji="0" lang="en-US" altLang="zh-CN" sz="1200" b="0" i="0" u="none" strike="noStrike" cap="none" normalizeH="0" baseline="0" dirty="0" err="1">
+                <a:ln>
+                  <a:noFill/>
+                </a:ln>
+                <a:solidFill>
+                  <a:schemeClr val="tx1"/>
+                </a:solidFill>
+                <a:effectLst/>
+                <a:latin typeface="Consolas" panose="020B0609020204030204" pitchFamily="49" charset="0"/>
+              </a:rPr>
+              <a:t>citys</a:t>
+            </a:r>
+            <a:r>
+              <a:rPr kumimoji="0" lang="en-US" altLang="zh-CN" sz="1200" b="0" i="0" u="none" strike="noStrike" cap="none" normalizeH="0" baseline="0" dirty="0">
+                <a:ln>
+                  <a:noFill/>
+                </a:ln>
+                <a:solidFill>
+                  <a:schemeClr val="tx1"/>
+                </a:solidFill>
+                <a:effectLst/>
+                <a:latin typeface="Consolas" panose="020B0609020204030204" pitchFamily="49" charset="0"/>
+              </a:rPr>
+              <a:t> = </a:t>
+            </a:r>
+            <a:r>
+              <a:rPr kumimoji="0" lang="en-US" altLang="zh-CN" sz="1200" b="0" i="0" u="none" strike="noStrike" cap="none" normalizeH="0" baseline="0" dirty="0" err="1">
+                <a:ln>
+                  <a:noFill/>
+                </a:ln>
+                <a:solidFill>
+                  <a:schemeClr val="tx1"/>
+                </a:solidFill>
+                <a:effectLst/>
+                <a:latin typeface="Consolas" panose="020B0609020204030204" pitchFamily="49" charset="0"/>
+              </a:rPr>
+              <a:t>data.index</a:t>
+            </a:r>
+            <a:endParaRPr kumimoji="0" lang="en-US" altLang="zh-CN" sz="1200" b="0" i="0" u="none" strike="noStrike" cap="none" normalizeH="0" baseline="0" dirty="0">
+              <a:ln>
+                <a:noFill/>
+              </a:ln>
+              <a:solidFill>
+                <a:schemeClr val="tx1"/>
+              </a:solidFill>
+              <a:effectLst/>
+              <a:latin typeface="Consolas" panose="020B0609020204030204" pitchFamily="49" charset="0"/>
+            </a:endParaRPr>
+          </a:p>
+          <a:p>
+            <a:pPr marL="0" marR="0" indent="0" defTabSz="914400" rtl="0" eaLnBrk="1" fontAlgn="base" latinLnBrk="0" hangingPunct="1">
+              <a:lnSpc>
+                <a:spcPct val="100000"/>
+              </a:lnSpc>
+              <a:spcBef>
+                <a:spcPts val="0"/>
+              </a:spcBef>
+              <a:spcAft>
+                <a:spcPct val="0"/>
+              </a:spcAft>
+              <a:buClrTx/>
+              <a:buSzTx/>
+              <a:buFontTx/>
+              <a:buNone/>
+              <a:tabLst/>
+            </a:pPr>
+            <a:endParaRPr lang="en-US" altLang="zh-CN" sz="1200" b="0" dirty="0">
+              <a:solidFill>
+                <a:schemeClr val="tx1"/>
+              </a:solidFill>
+              <a:latin typeface="Consolas" panose="020B0609020204030204" pitchFamily="49" charset="0"/>
+            </a:endParaRPr>
+          </a:p>
+          <a:p>
+            <a:pPr marL="0" marR="0" indent="0" defTabSz="914400" rtl="0" eaLnBrk="1" fontAlgn="base" latinLnBrk="0" hangingPunct="1">
+              <a:lnSpc>
+                <a:spcPct val="100000"/>
+              </a:lnSpc>
+              <a:spcBef>
+                <a:spcPts val="0"/>
+              </a:spcBef>
+              <a:spcAft>
+                <a:spcPct val="0"/>
+              </a:spcAft>
+              <a:buClrTx/>
+              <a:buSzTx/>
+              <a:buFontTx/>
+              <a:buNone/>
+              <a:tabLst/>
+            </a:pPr>
+            <a:r>
+              <a:rPr kumimoji="0" lang="en-US" altLang="zh-CN" sz="1200" b="0" i="0" u="none" strike="noStrike" cap="none" normalizeH="0" baseline="0" dirty="0">
+                <a:ln>
+                  <a:noFill/>
+                </a:ln>
+                <a:solidFill>
+                  <a:schemeClr val="tx1"/>
+                </a:solidFill>
+                <a:effectLst/>
+                <a:latin typeface="Consolas" panose="020B0609020204030204" pitchFamily="49" charset="0"/>
+              </a:rPr>
+              <a:t># </a:t>
+            </a:r>
+            <a:r>
+              <a:rPr kumimoji="0" lang="zh-CN" altLang="en-US" sz="1200" b="0" i="0" u="none" strike="noStrike" cap="none" normalizeH="0" baseline="0" dirty="0">
+                <a:ln>
+                  <a:noFill/>
+                </a:ln>
+                <a:solidFill>
+                  <a:schemeClr val="tx1"/>
+                </a:solidFill>
+                <a:effectLst/>
+                <a:latin typeface="Consolas" panose="020B0609020204030204" pitchFamily="49" charset="0"/>
+              </a:rPr>
+              <a:t>创建问题</a:t>
+            </a:r>
+          </a:p>
+          <a:p>
+            <a:pPr marL="0" marR="0" indent="0" defTabSz="914400" rtl="0" eaLnBrk="1" fontAlgn="base" latinLnBrk="0" hangingPunct="1">
+              <a:lnSpc>
+                <a:spcPct val="100000"/>
+              </a:lnSpc>
+              <a:spcBef>
+                <a:spcPts val="0"/>
+              </a:spcBef>
+              <a:spcAft>
+                <a:spcPct val="0"/>
+              </a:spcAft>
+              <a:buClrTx/>
+              <a:buSzTx/>
+              <a:buFontTx/>
+              <a:buNone/>
+              <a:tabLst/>
+            </a:pPr>
+            <a:r>
+              <a:rPr kumimoji="0" lang="en-US" altLang="zh-CN" sz="1200" b="0" i="0" u="none" strike="noStrike" cap="none" normalizeH="0" baseline="0" dirty="0">
+                <a:ln>
+                  <a:noFill/>
+                </a:ln>
+                <a:solidFill>
+                  <a:schemeClr val="tx1"/>
+                </a:solidFill>
+                <a:effectLst/>
+                <a:latin typeface="Consolas" panose="020B0609020204030204" pitchFamily="49" charset="0"/>
+              </a:rPr>
+              <a:t>model = </a:t>
+            </a:r>
+            <a:r>
+              <a:rPr kumimoji="0" lang="en-US" altLang="zh-CN" sz="1200" b="0" i="0" u="none" strike="noStrike" cap="none" normalizeH="0" baseline="0" dirty="0" err="1">
+                <a:ln>
+                  <a:noFill/>
+                </a:ln>
+                <a:solidFill>
+                  <a:schemeClr val="tx1"/>
+                </a:solidFill>
+                <a:effectLst/>
+                <a:latin typeface="Consolas" panose="020B0609020204030204" pitchFamily="49" charset="0"/>
+              </a:rPr>
+              <a:t>pulp.LpProblem</a:t>
+            </a:r>
+            <a:r>
+              <a:rPr kumimoji="0" lang="en-US" altLang="zh-CN" sz="1200" b="0" i="0" u="none" strike="noStrike" cap="none" normalizeH="0" baseline="0" dirty="0">
+                <a:ln>
+                  <a:noFill/>
+                </a:ln>
+                <a:solidFill>
+                  <a:schemeClr val="tx1"/>
+                </a:solidFill>
+                <a:effectLst/>
+                <a:latin typeface="Consolas" panose="020B0609020204030204" pitchFamily="49" charset="0"/>
+              </a:rPr>
+              <a:t>(</a:t>
+            </a:r>
+            <a:r>
+              <a:rPr kumimoji="0" lang="en-US" altLang="zh-CN" sz="1200" b="0" i="0" u="none" strike="noStrike" cap="none" normalizeH="0" baseline="0" dirty="0" err="1">
+                <a:ln>
+                  <a:noFill/>
+                </a:ln>
+                <a:solidFill>
+                  <a:schemeClr val="tx1"/>
+                </a:solidFill>
+                <a:effectLst/>
+                <a:latin typeface="Consolas" panose="020B0609020204030204" pitchFamily="49" charset="0"/>
+              </a:rPr>
+              <a:t>fname.split</a:t>
+            </a:r>
+            <a:r>
+              <a:rPr kumimoji="0" lang="en-US" altLang="zh-CN" sz="1200" b="0" i="0" u="none" strike="noStrike" cap="none" normalizeH="0" baseline="0" dirty="0">
+                <a:ln>
+                  <a:noFill/>
+                </a:ln>
+                <a:solidFill>
+                  <a:schemeClr val="tx1"/>
+                </a:solidFill>
+                <a:effectLst/>
+                <a:latin typeface="Consolas" panose="020B0609020204030204" pitchFamily="49" charset="0"/>
+              </a:rPr>
+              <a:t>(".")[0], </a:t>
+            </a:r>
+            <a:r>
+              <a:rPr kumimoji="0" lang="en-US" altLang="zh-CN" sz="1200" b="0" i="0" u="none" strike="noStrike" cap="none" normalizeH="0" baseline="0" dirty="0" err="1">
+                <a:ln>
+                  <a:noFill/>
+                </a:ln>
+                <a:solidFill>
+                  <a:schemeClr val="tx1"/>
+                </a:solidFill>
+                <a:effectLst/>
+                <a:latin typeface="Consolas" panose="020B0609020204030204" pitchFamily="49" charset="0"/>
+              </a:rPr>
+              <a:t>pulp.LpMinimize</a:t>
+            </a:r>
+            <a:r>
+              <a:rPr kumimoji="0" lang="en-US" altLang="zh-CN" sz="1200" b="0" i="0" u="none" strike="noStrike" cap="none" normalizeH="0" baseline="0" dirty="0">
+                <a:ln>
+                  <a:noFill/>
+                </a:ln>
+                <a:solidFill>
+                  <a:schemeClr val="tx1"/>
+                </a:solidFill>
+                <a:effectLst/>
+                <a:latin typeface="Consolas" panose="020B0609020204030204" pitchFamily="49" charset="0"/>
+              </a:rPr>
+              <a:t>)</a:t>
+            </a:r>
+          </a:p>
+          <a:p>
+            <a:pPr marL="0" marR="0" indent="0" defTabSz="914400" rtl="0" eaLnBrk="1" fontAlgn="base" latinLnBrk="0" hangingPunct="1">
+              <a:lnSpc>
+                <a:spcPct val="100000"/>
+              </a:lnSpc>
+              <a:spcBef>
+                <a:spcPts val="0"/>
+              </a:spcBef>
+              <a:spcAft>
+                <a:spcPct val="0"/>
+              </a:spcAft>
+              <a:buClrTx/>
+              <a:buSzTx/>
+              <a:buFontTx/>
+              <a:buNone/>
+              <a:tabLst/>
+            </a:pPr>
+            <a:r>
+              <a:rPr kumimoji="0" lang="en-US" altLang="zh-CN" sz="1200" b="0" i="0" u="none" strike="noStrike" cap="none" normalizeH="0" baseline="0" dirty="0">
+                <a:ln>
+                  <a:noFill/>
+                </a:ln>
+                <a:solidFill>
+                  <a:schemeClr val="tx1"/>
+                </a:solidFill>
+                <a:effectLst/>
+                <a:latin typeface="Consolas" panose="020B0609020204030204" pitchFamily="49" charset="0"/>
+              </a:rPr>
+              <a:t># </a:t>
+            </a:r>
+            <a:r>
+              <a:rPr kumimoji="0" lang="zh-CN" altLang="en-US" sz="1200" b="0" i="0" u="none" strike="noStrike" cap="none" normalizeH="0" baseline="0" dirty="0">
+                <a:ln>
+                  <a:noFill/>
+                </a:ln>
+                <a:solidFill>
+                  <a:schemeClr val="tx1"/>
+                </a:solidFill>
+                <a:effectLst/>
+                <a:latin typeface="Consolas" panose="020B0609020204030204" pitchFamily="49" charset="0"/>
+              </a:rPr>
+              <a:t>创建决策变量</a:t>
+            </a:r>
+          </a:p>
+          <a:p>
+            <a:pPr marL="0" marR="0" indent="0" defTabSz="914400" rtl="0" eaLnBrk="1" fontAlgn="base" latinLnBrk="0" hangingPunct="1">
+              <a:lnSpc>
+                <a:spcPct val="100000"/>
+              </a:lnSpc>
+              <a:spcBef>
+                <a:spcPts val="0"/>
+              </a:spcBef>
+              <a:spcAft>
+                <a:spcPct val="0"/>
+              </a:spcAft>
+              <a:buClrTx/>
+              <a:buSzTx/>
+              <a:buFontTx/>
+              <a:buNone/>
+              <a:tabLst/>
+            </a:pPr>
+            <a:r>
+              <a:rPr kumimoji="0" lang="en-US" altLang="zh-CN" sz="1200" b="0" i="0" u="none" strike="noStrike" cap="none" normalizeH="0" baseline="0" dirty="0">
+                <a:ln>
+                  <a:noFill/>
+                </a:ln>
+                <a:solidFill>
+                  <a:schemeClr val="tx1"/>
+                </a:solidFill>
+                <a:effectLst/>
+                <a:latin typeface="Consolas" panose="020B0609020204030204" pitchFamily="49" charset="0"/>
+              </a:rPr>
+              <a:t>x = </a:t>
+            </a:r>
+            <a:r>
+              <a:rPr kumimoji="0" lang="en-US" altLang="zh-CN" sz="1200" b="0" i="0" u="none" strike="noStrike" cap="none" normalizeH="0" baseline="0" dirty="0" err="1">
+                <a:ln>
+                  <a:noFill/>
+                </a:ln>
+                <a:solidFill>
+                  <a:schemeClr val="tx1"/>
+                </a:solidFill>
+                <a:effectLst/>
+                <a:latin typeface="Consolas" panose="020B0609020204030204" pitchFamily="49" charset="0"/>
+              </a:rPr>
+              <a:t>pulp.LpVariable.dicts</a:t>
+            </a:r>
+            <a:r>
+              <a:rPr kumimoji="0" lang="en-US" altLang="zh-CN" sz="1200" b="0" i="0" u="none" strike="noStrike" cap="none" normalizeH="0" baseline="0" dirty="0">
+                <a:ln>
+                  <a:noFill/>
+                </a:ln>
+                <a:solidFill>
+                  <a:schemeClr val="tx1"/>
+                </a:solidFill>
+                <a:effectLst/>
+                <a:latin typeface="Consolas" panose="020B0609020204030204" pitchFamily="49" charset="0"/>
+              </a:rPr>
+              <a:t>("x", </a:t>
+            </a:r>
+            <a:r>
+              <a:rPr kumimoji="0" lang="en-US" altLang="zh-CN" sz="1200" b="0" i="0" u="none" strike="noStrike" cap="none" normalizeH="0" baseline="0" dirty="0" err="1">
+                <a:ln>
+                  <a:noFill/>
+                </a:ln>
+                <a:solidFill>
+                  <a:schemeClr val="tx1"/>
+                </a:solidFill>
+                <a:effectLst/>
+                <a:latin typeface="Consolas" panose="020B0609020204030204" pitchFamily="49" charset="0"/>
+              </a:rPr>
+              <a:t>dist</a:t>
+            </a:r>
+            <a:r>
+              <a:rPr kumimoji="0" lang="en-US" altLang="zh-CN" sz="1200" b="0" i="0" u="none" strike="noStrike" cap="none" normalizeH="0" baseline="0" dirty="0">
+                <a:ln>
+                  <a:noFill/>
+                </a:ln>
+                <a:solidFill>
+                  <a:schemeClr val="tx1"/>
+                </a:solidFill>
+                <a:effectLst/>
+                <a:latin typeface="Consolas" panose="020B0609020204030204" pitchFamily="49" charset="0"/>
+              </a:rPr>
+              <a:t>, 0, 1, </a:t>
+            </a:r>
+            <a:r>
+              <a:rPr kumimoji="0" lang="en-US" altLang="zh-CN" sz="1200" b="0" i="0" u="none" strike="noStrike" cap="none" normalizeH="0" baseline="0" dirty="0" err="1">
+                <a:ln>
+                  <a:noFill/>
+                </a:ln>
+                <a:solidFill>
+                  <a:schemeClr val="tx1"/>
+                </a:solidFill>
+                <a:effectLst/>
+                <a:latin typeface="Consolas" panose="020B0609020204030204" pitchFamily="49" charset="0"/>
+              </a:rPr>
+              <a:t>pulp.LpBinary</a:t>
+            </a:r>
+            <a:r>
+              <a:rPr kumimoji="0" lang="en-US" altLang="zh-CN" sz="1200" b="0" i="0" u="none" strike="noStrike" cap="none" normalizeH="0" baseline="0" dirty="0">
+                <a:ln>
+                  <a:noFill/>
+                </a:ln>
+                <a:solidFill>
+                  <a:schemeClr val="tx1"/>
+                </a:solidFill>
+                <a:effectLst/>
+                <a:latin typeface="Consolas" panose="020B0609020204030204" pitchFamily="49" charset="0"/>
+              </a:rPr>
+              <a:t>)</a:t>
+            </a:r>
+          </a:p>
+          <a:p>
+            <a:pPr marL="0" marR="0" indent="0" defTabSz="914400" rtl="0" eaLnBrk="1" fontAlgn="base" latinLnBrk="0" hangingPunct="1">
+              <a:lnSpc>
+                <a:spcPct val="100000"/>
+              </a:lnSpc>
+              <a:spcBef>
+                <a:spcPts val="0"/>
+              </a:spcBef>
+              <a:spcAft>
+                <a:spcPct val="0"/>
+              </a:spcAft>
+              <a:buClrTx/>
+              <a:buSzTx/>
+              <a:buFontTx/>
+              <a:buNone/>
+              <a:tabLst/>
+            </a:pPr>
+            <a:r>
+              <a:rPr kumimoji="0" lang="en-US" altLang="zh-CN" sz="1200" b="0" i="0" u="none" strike="noStrike" cap="none" normalizeH="0" baseline="0" dirty="0">
+                <a:ln>
+                  <a:noFill/>
+                </a:ln>
+                <a:solidFill>
+                  <a:schemeClr val="tx1"/>
+                </a:solidFill>
+                <a:effectLst/>
+                <a:latin typeface="Consolas" panose="020B0609020204030204" pitchFamily="49" charset="0"/>
+              </a:rPr>
+              <a:t># </a:t>
+            </a:r>
+            <a:r>
+              <a:rPr kumimoji="0" lang="zh-CN" altLang="en-US" sz="1200" b="0" i="0" u="none" strike="noStrike" cap="none" normalizeH="0" baseline="0" dirty="0">
+                <a:ln>
+                  <a:noFill/>
+                </a:ln>
+                <a:solidFill>
+                  <a:schemeClr val="tx1"/>
+                </a:solidFill>
+                <a:effectLst/>
+                <a:latin typeface="Consolas" panose="020B0609020204030204" pitchFamily="49" charset="0"/>
+              </a:rPr>
+              <a:t>设置目标函数</a:t>
+            </a:r>
+          </a:p>
+          <a:p>
+            <a:pPr marL="0" marR="0" indent="0" defTabSz="914400" rtl="0" eaLnBrk="1" fontAlgn="base" latinLnBrk="0" hangingPunct="1">
+              <a:lnSpc>
+                <a:spcPct val="100000"/>
+              </a:lnSpc>
+              <a:spcBef>
+                <a:spcPts val="0"/>
+              </a:spcBef>
+              <a:spcAft>
+                <a:spcPct val="0"/>
+              </a:spcAft>
+              <a:buClrTx/>
+              <a:buSzTx/>
+              <a:buFontTx/>
+              <a:buNone/>
+              <a:tabLst/>
+            </a:pPr>
+            <a:r>
+              <a:rPr kumimoji="0" lang="en-US" altLang="zh-CN" sz="1200" b="0" i="0" u="none" strike="noStrike" cap="none" normalizeH="0" baseline="0" dirty="0">
+                <a:ln>
+                  <a:noFill/>
+                </a:ln>
+                <a:solidFill>
+                  <a:schemeClr val="tx1"/>
+                </a:solidFill>
+                <a:effectLst/>
+                <a:latin typeface="Consolas" panose="020B0609020204030204" pitchFamily="49" charset="0"/>
+              </a:rPr>
+              <a:t>model += </a:t>
+            </a:r>
+            <a:r>
+              <a:rPr kumimoji="0" lang="en-US" altLang="zh-CN" sz="1200" b="0" i="0" u="none" strike="noStrike" cap="none" normalizeH="0" baseline="0" dirty="0" err="1">
+                <a:ln>
+                  <a:noFill/>
+                </a:ln>
+                <a:solidFill>
+                  <a:schemeClr val="tx1"/>
+                </a:solidFill>
+                <a:effectLst/>
+                <a:latin typeface="Consolas" panose="020B0609020204030204" pitchFamily="49" charset="0"/>
+              </a:rPr>
+              <a:t>pulp.lpSum</a:t>
+            </a:r>
+            <a:r>
+              <a:rPr kumimoji="0" lang="en-US" altLang="zh-CN" sz="1200" b="0" i="0" u="none" strike="noStrike" cap="none" normalizeH="0" baseline="0" dirty="0">
+                <a:ln>
+                  <a:noFill/>
+                </a:ln>
+                <a:solidFill>
+                  <a:schemeClr val="tx1"/>
+                </a:solidFill>
+                <a:effectLst/>
+                <a:latin typeface="Consolas" panose="020B0609020204030204" pitchFamily="49" charset="0"/>
+              </a:rPr>
+              <a:t>([x[(</a:t>
+            </a:r>
+            <a:r>
+              <a:rPr kumimoji="0" lang="en-US" altLang="zh-CN" sz="1200" b="0" i="0" u="none" strike="noStrike" cap="none" normalizeH="0" baseline="0" dirty="0" err="1">
+                <a:ln>
+                  <a:noFill/>
+                </a:ln>
+                <a:solidFill>
+                  <a:schemeClr val="tx1"/>
+                </a:solidFill>
+                <a:effectLst/>
+                <a:latin typeface="Consolas" panose="020B0609020204030204" pitchFamily="49" charset="0"/>
+              </a:rPr>
+              <a:t>i</a:t>
+            </a:r>
+            <a:r>
+              <a:rPr kumimoji="0" lang="en-US" altLang="zh-CN" sz="1200" b="0" i="0" u="none" strike="noStrike" cap="none" normalizeH="0" baseline="0" dirty="0">
+                <a:ln>
+                  <a:noFill/>
+                </a:ln>
+                <a:solidFill>
+                  <a:schemeClr val="tx1"/>
+                </a:solidFill>
+                <a:effectLst/>
+                <a:latin typeface="Consolas" panose="020B0609020204030204" pitchFamily="49" charset="0"/>
+              </a:rPr>
+              <a:t>, j)] * </a:t>
+            </a:r>
+            <a:r>
+              <a:rPr kumimoji="0" lang="en-US" altLang="zh-CN" sz="1200" b="0" i="0" u="none" strike="noStrike" cap="none" normalizeH="0" baseline="0" dirty="0" err="1">
+                <a:ln>
+                  <a:noFill/>
+                </a:ln>
+                <a:solidFill>
+                  <a:schemeClr val="tx1"/>
+                </a:solidFill>
+                <a:effectLst/>
+                <a:latin typeface="Consolas" panose="020B0609020204030204" pitchFamily="49" charset="0"/>
+              </a:rPr>
+              <a:t>dist</a:t>
+            </a:r>
+            <a:r>
+              <a:rPr kumimoji="0" lang="en-US" altLang="zh-CN" sz="1200" b="0" i="0" u="none" strike="noStrike" cap="none" normalizeH="0" baseline="0" dirty="0">
+                <a:ln>
+                  <a:noFill/>
+                </a:ln>
+                <a:solidFill>
+                  <a:schemeClr val="tx1"/>
+                </a:solidFill>
+                <a:effectLst/>
+                <a:latin typeface="Consolas" panose="020B0609020204030204" pitchFamily="49" charset="0"/>
+              </a:rPr>
+              <a:t>[(</a:t>
+            </a:r>
+            <a:r>
+              <a:rPr kumimoji="0" lang="en-US" altLang="zh-CN" sz="1200" b="0" i="0" u="none" strike="noStrike" cap="none" normalizeH="0" baseline="0" dirty="0" err="1">
+                <a:ln>
+                  <a:noFill/>
+                </a:ln>
+                <a:solidFill>
+                  <a:schemeClr val="tx1"/>
+                </a:solidFill>
+                <a:effectLst/>
+                <a:latin typeface="Consolas" panose="020B0609020204030204" pitchFamily="49" charset="0"/>
+              </a:rPr>
+              <a:t>i</a:t>
+            </a:r>
+            <a:r>
+              <a:rPr kumimoji="0" lang="en-US" altLang="zh-CN" sz="1200" b="0" i="0" u="none" strike="noStrike" cap="none" normalizeH="0" baseline="0" dirty="0">
+                <a:ln>
+                  <a:noFill/>
+                </a:ln>
+                <a:solidFill>
+                  <a:schemeClr val="tx1"/>
+                </a:solidFill>
+                <a:effectLst/>
+                <a:latin typeface="Consolas" panose="020B0609020204030204" pitchFamily="49" charset="0"/>
+              </a:rPr>
+              <a:t>, j)] for (</a:t>
+            </a:r>
+            <a:r>
+              <a:rPr kumimoji="0" lang="en-US" altLang="zh-CN" sz="1200" b="0" i="0" u="none" strike="noStrike" cap="none" normalizeH="0" baseline="0" dirty="0" err="1">
+                <a:ln>
+                  <a:noFill/>
+                </a:ln>
+                <a:solidFill>
+                  <a:schemeClr val="tx1"/>
+                </a:solidFill>
+                <a:effectLst/>
+                <a:latin typeface="Consolas" panose="020B0609020204030204" pitchFamily="49" charset="0"/>
+              </a:rPr>
+              <a:t>i</a:t>
+            </a:r>
+            <a:r>
+              <a:rPr kumimoji="0" lang="en-US" altLang="zh-CN" sz="1200" b="0" i="0" u="none" strike="noStrike" cap="none" normalizeH="0" baseline="0" dirty="0">
+                <a:ln>
+                  <a:noFill/>
+                </a:ln>
+                <a:solidFill>
+                  <a:schemeClr val="tx1"/>
+                </a:solidFill>
+                <a:effectLst/>
+                <a:latin typeface="Consolas" panose="020B0609020204030204" pitchFamily="49" charset="0"/>
+              </a:rPr>
+              <a:t>, j) in </a:t>
+            </a:r>
+            <a:r>
+              <a:rPr kumimoji="0" lang="en-US" altLang="zh-CN" sz="1200" b="0" i="0" u="none" strike="noStrike" cap="none" normalizeH="0" baseline="0" dirty="0" err="1">
+                <a:ln>
+                  <a:noFill/>
+                </a:ln>
+                <a:solidFill>
+                  <a:schemeClr val="tx1"/>
+                </a:solidFill>
+                <a:effectLst/>
+                <a:latin typeface="Consolas" panose="020B0609020204030204" pitchFamily="49" charset="0"/>
+              </a:rPr>
+              <a:t>dist</a:t>
+            </a:r>
+            <a:r>
+              <a:rPr kumimoji="0" lang="en-US" altLang="zh-CN" sz="1200" b="0" i="0" u="none" strike="noStrike" cap="none" normalizeH="0" baseline="0" dirty="0">
+                <a:ln>
+                  <a:noFill/>
+                </a:ln>
+                <a:solidFill>
+                  <a:schemeClr val="tx1"/>
+                </a:solidFill>
+                <a:effectLst/>
+                <a:latin typeface="Consolas" panose="020B0609020204030204" pitchFamily="49" charset="0"/>
+              </a:rPr>
+              <a:t>])</a:t>
+            </a:r>
+          </a:p>
+          <a:p>
+            <a:pPr marL="0" marR="0" indent="0" defTabSz="914400" rtl="0" eaLnBrk="1" fontAlgn="base" latinLnBrk="0" hangingPunct="1">
+              <a:lnSpc>
+                <a:spcPct val="100000"/>
+              </a:lnSpc>
+              <a:spcBef>
+                <a:spcPts val="0"/>
+              </a:spcBef>
+              <a:spcAft>
+                <a:spcPct val="0"/>
+              </a:spcAft>
+              <a:buClrTx/>
+              <a:buSzTx/>
+              <a:buFontTx/>
+              <a:buNone/>
+              <a:tabLst/>
+            </a:pPr>
+            <a:r>
+              <a:rPr kumimoji="0" lang="en-US" altLang="zh-CN" sz="1200" b="0" i="0" u="none" strike="noStrike" cap="none" normalizeH="0" baseline="0" dirty="0">
+                <a:ln>
+                  <a:noFill/>
+                </a:ln>
+                <a:solidFill>
+                  <a:schemeClr val="tx1"/>
+                </a:solidFill>
+                <a:effectLst/>
+                <a:latin typeface="Consolas" panose="020B0609020204030204" pitchFamily="49" charset="0"/>
+              </a:rPr>
+              <a:t># </a:t>
+            </a:r>
+            <a:r>
+              <a:rPr kumimoji="0" lang="zh-CN" altLang="en-US" sz="1200" b="0" i="0" u="none" strike="noStrike" cap="none" normalizeH="0" baseline="0" dirty="0">
+                <a:ln>
+                  <a:noFill/>
+                </a:ln>
+                <a:solidFill>
+                  <a:schemeClr val="tx1"/>
+                </a:solidFill>
+                <a:effectLst/>
+                <a:latin typeface="Consolas" panose="020B0609020204030204" pitchFamily="49" charset="0"/>
+              </a:rPr>
+              <a:t>约束条件</a:t>
+            </a:r>
+          </a:p>
+          <a:p>
+            <a:pPr marL="0" marR="0" indent="0" defTabSz="914400" rtl="0" eaLnBrk="1" fontAlgn="base" latinLnBrk="0" hangingPunct="1">
+              <a:lnSpc>
+                <a:spcPct val="100000"/>
+              </a:lnSpc>
+              <a:spcBef>
+                <a:spcPts val="0"/>
+              </a:spcBef>
+              <a:spcAft>
+                <a:spcPct val="0"/>
+              </a:spcAft>
+              <a:buClrTx/>
+              <a:buSzTx/>
+              <a:buFontTx/>
+              <a:buNone/>
+              <a:tabLst/>
+            </a:pPr>
+            <a:r>
+              <a:rPr kumimoji="0" lang="en-US" altLang="zh-CN" sz="1200" b="0" i="0" u="none" strike="noStrike" cap="none" normalizeH="0" baseline="0" dirty="0">
+                <a:ln>
+                  <a:noFill/>
+                </a:ln>
+                <a:solidFill>
+                  <a:schemeClr val="tx1"/>
+                </a:solidFill>
+                <a:effectLst/>
+                <a:latin typeface="Consolas" panose="020B0609020204030204" pitchFamily="49" charset="0"/>
+              </a:rPr>
+              <a:t># </a:t>
+            </a:r>
+            <a:r>
+              <a:rPr kumimoji="0" lang="zh-CN" altLang="en-US" sz="1200" b="0" i="0" u="none" strike="noStrike" cap="none" normalizeH="0" baseline="0" dirty="0">
+                <a:ln>
+                  <a:noFill/>
+                </a:ln>
+                <a:solidFill>
+                  <a:schemeClr val="tx1"/>
+                </a:solidFill>
+                <a:effectLst/>
+                <a:latin typeface="Consolas" panose="020B0609020204030204" pitchFamily="49" charset="0"/>
+              </a:rPr>
+              <a:t>每个节点只有一条 </a:t>
+            </a:r>
+            <a:r>
+              <a:rPr kumimoji="0" lang="en-US" altLang="zh-CN" sz="1200" b="0" i="0" u="none" strike="noStrike" cap="none" normalizeH="0" baseline="0" dirty="0" err="1">
+                <a:ln>
+                  <a:noFill/>
+                </a:ln>
+                <a:solidFill>
+                  <a:schemeClr val="tx1"/>
+                </a:solidFill>
+                <a:effectLst/>
+                <a:latin typeface="Consolas" panose="020B0609020204030204" pitchFamily="49" charset="0"/>
+              </a:rPr>
+              <a:t>in_edge</a:t>
+            </a:r>
+            <a:r>
+              <a:rPr kumimoji="0" lang="zh-CN" altLang="en-US" sz="1200" b="0" i="0" u="none" strike="noStrike" cap="none" normalizeH="0" baseline="0" dirty="0">
+                <a:ln>
+                  <a:noFill/>
+                </a:ln>
+                <a:solidFill>
+                  <a:schemeClr val="tx1"/>
+                </a:solidFill>
+                <a:effectLst/>
+                <a:latin typeface="Consolas" panose="020B0609020204030204" pitchFamily="49" charset="0"/>
+              </a:rPr>
+              <a:t>，一条 </a:t>
+            </a:r>
+            <a:r>
+              <a:rPr kumimoji="0" lang="en-US" altLang="zh-CN" sz="1200" b="0" i="0" u="none" strike="noStrike" cap="none" normalizeH="0" baseline="0" dirty="0" err="1">
+                <a:ln>
+                  <a:noFill/>
+                </a:ln>
+                <a:solidFill>
+                  <a:schemeClr val="tx1"/>
+                </a:solidFill>
+                <a:effectLst/>
+                <a:latin typeface="Consolas" panose="020B0609020204030204" pitchFamily="49" charset="0"/>
+              </a:rPr>
+              <a:t>out_edge</a:t>
+            </a:r>
+            <a:endParaRPr kumimoji="0" lang="en-US" altLang="zh-CN" sz="1200" b="0" i="0" u="none" strike="noStrike" cap="none" normalizeH="0" baseline="0" dirty="0">
+              <a:ln>
+                <a:noFill/>
+              </a:ln>
+              <a:solidFill>
+                <a:schemeClr val="tx1"/>
+              </a:solidFill>
+              <a:effectLst/>
+              <a:latin typeface="Consolas" panose="020B0609020204030204" pitchFamily="49" charset="0"/>
+            </a:endParaRPr>
+          </a:p>
+          <a:p>
+            <a:pPr marL="0" marR="0" indent="0" defTabSz="914400" rtl="0" eaLnBrk="1" fontAlgn="base" latinLnBrk="0" hangingPunct="1">
+              <a:lnSpc>
+                <a:spcPct val="100000"/>
+              </a:lnSpc>
+              <a:spcBef>
+                <a:spcPts val="0"/>
+              </a:spcBef>
+              <a:spcAft>
+                <a:spcPct val="0"/>
+              </a:spcAft>
+              <a:buClrTx/>
+              <a:buSzTx/>
+              <a:buFontTx/>
+              <a:buNone/>
+              <a:tabLst/>
+            </a:pPr>
+            <a:r>
+              <a:rPr kumimoji="0" lang="en-US" altLang="zh-CN" sz="1200" b="0" i="0" u="none" strike="noStrike" cap="none" normalizeH="0" baseline="0" dirty="0">
+                <a:ln>
+                  <a:noFill/>
+                </a:ln>
+                <a:solidFill>
+                  <a:schemeClr val="tx1"/>
+                </a:solidFill>
+                <a:effectLst/>
+                <a:latin typeface="Consolas" panose="020B0609020204030204" pitchFamily="49" charset="0"/>
+              </a:rPr>
+              <a:t>n = </a:t>
+            </a:r>
+            <a:r>
+              <a:rPr kumimoji="0" lang="en-US" altLang="zh-CN" sz="1200" b="0" i="0" u="none" strike="noStrike" cap="none" normalizeH="0" baseline="0" dirty="0" err="1">
+                <a:ln>
+                  <a:noFill/>
+                </a:ln>
+                <a:solidFill>
+                  <a:schemeClr val="tx1"/>
+                </a:solidFill>
+                <a:effectLst/>
+                <a:latin typeface="Consolas" panose="020B0609020204030204" pitchFamily="49" charset="0"/>
+              </a:rPr>
+              <a:t>len</a:t>
+            </a:r>
+            <a:r>
+              <a:rPr kumimoji="0" lang="en-US" altLang="zh-CN" sz="1200" b="0" i="0" u="none" strike="noStrike" cap="none" normalizeH="0" baseline="0" dirty="0">
+                <a:ln>
+                  <a:noFill/>
+                </a:ln>
+                <a:solidFill>
+                  <a:schemeClr val="tx1"/>
+                </a:solidFill>
+                <a:effectLst/>
+                <a:latin typeface="Consolas" panose="020B0609020204030204" pitchFamily="49" charset="0"/>
+              </a:rPr>
+              <a:t>(</a:t>
+            </a:r>
+            <a:r>
+              <a:rPr kumimoji="0" lang="en-US" altLang="zh-CN" sz="1200" b="0" i="0" u="none" strike="noStrike" cap="none" normalizeH="0" baseline="0" dirty="0" err="1">
+                <a:ln>
+                  <a:noFill/>
+                </a:ln>
+                <a:solidFill>
+                  <a:schemeClr val="tx1"/>
+                </a:solidFill>
+                <a:effectLst/>
+                <a:latin typeface="Consolas" panose="020B0609020204030204" pitchFamily="49" charset="0"/>
+              </a:rPr>
+              <a:t>citys</a:t>
+            </a:r>
+            <a:r>
+              <a:rPr kumimoji="0" lang="en-US" altLang="zh-CN" sz="1200" b="0" i="0" u="none" strike="noStrike" cap="none" normalizeH="0" baseline="0" dirty="0">
+                <a:ln>
+                  <a:noFill/>
+                </a:ln>
+                <a:solidFill>
+                  <a:schemeClr val="tx1"/>
+                </a:solidFill>
+                <a:effectLst/>
+                <a:latin typeface="Consolas" panose="020B0609020204030204" pitchFamily="49" charset="0"/>
+              </a:rPr>
+              <a:t>)</a:t>
+            </a:r>
+          </a:p>
+          <a:p>
+            <a:pPr marL="0" marR="0" indent="0" defTabSz="914400" rtl="0" eaLnBrk="1" fontAlgn="base" latinLnBrk="0" hangingPunct="1">
+              <a:lnSpc>
+                <a:spcPct val="100000"/>
+              </a:lnSpc>
+              <a:spcBef>
+                <a:spcPts val="0"/>
+              </a:spcBef>
+              <a:spcAft>
+                <a:spcPct val="0"/>
+              </a:spcAft>
+              <a:buClrTx/>
+              <a:buSzTx/>
+              <a:buFontTx/>
+              <a:buNone/>
+              <a:tabLst/>
+            </a:pPr>
+            <a:r>
+              <a:rPr kumimoji="0" lang="en-US" altLang="zh-CN" sz="1200" b="0" i="0" u="none" strike="noStrike" cap="none" normalizeH="0" baseline="0" dirty="0">
+                <a:ln>
+                  <a:noFill/>
+                </a:ln>
+                <a:solidFill>
+                  <a:schemeClr val="tx1"/>
+                </a:solidFill>
+                <a:effectLst/>
+                <a:latin typeface="Consolas" panose="020B0609020204030204" pitchFamily="49" charset="0"/>
+              </a:rPr>
+              <a:t>for I in </a:t>
+            </a:r>
+            <a:r>
+              <a:rPr kumimoji="0" lang="en-US" altLang="zh-CN" sz="1200" b="0" i="0" u="none" strike="noStrike" cap="none" normalizeH="0" baseline="0" dirty="0" err="1">
+                <a:ln>
+                  <a:noFill/>
+                </a:ln>
+                <a:solidFill>
+                  <a:schemeClr val="tx1"/>
+                </a:solidFill>
+                <a:effectLst/>
+                <a:latin typeface="Consolas" panose="020B0609020204030204" pitchFamily="49" charset="0"/>
+              </a:rPr>
+              <a:t>citys</a:t>
+            </a:r>
+            <a:r>
+              <a:rPr kumimoji="0" lang="en-US" altLang="zh-CN" sz="1200" b="0" i="0" u="none" strike="noStrike" cap="none" normalizeH="0" baseline="0" dirty="0">
+                <a:ln>
+                  <a:noFill/>
+                </a:ln>
+                <a:solidFill>
+                  <a:schemeClr val="tx1"/>
+                </a:solidFill>
+                <a:effectLst/>
+                <a:latin typeface="Consolas" panose="020B0609020204030204" pitchFamily="49" charset="0"/>
+              </a:rPr>
+              <a:t>:</a:t>
+            </a:r>
+          </a:p>
+          <a:p>
+            <a:pPr marL="0" marR="0" indent="0" defTabSz="914400" rtl="0" eaLnBrk="1" fontAlgn="base" latinLnBrk="0" hangingPunct="1">
+              <a:lnSpc>
+                <a:spcPct val="100000"/>
+              </a:lnSpc>
+              <a:spcBef>
+                <a:spcPts val="0"/>
+              </a:spcBef>
+              <a:spcAft>
+                <a:spcPct val="0"/>
+              </a:spcAft>
+              <a:buClrTx/>
+              <a:buSzTx/>
+              <a:buFontTx/>
+              <a:buNone/>
+              <a:tabLst/>
+            </a:pPr>
+            <a:r>
+              <a:rPr kumimoji="0" lang="en-US" altLang="zh-CN" sz="1200" b="0" i="0" u="none" strike="noStrike" cap="none" normalizeH="0" baseline="0" dirty="0">
+                <a:ln>
+                  <a:noFill/>
+                </a:ln>
+                <a:solidFill>
+                  <a:schemeClr val="tx1"/>
+                </a:solidFill>
+                <a:effectLst/>
+                <a:latin typeface="Consolas" panose="020B0609020204030204" pitchFamily="49" charset="0"/>
+              </a:rPr>
+              <a:t>    model += </a:t>
+            </a:r>
+            <a:r>
+              <a:rPr kumimoji="0" lang="en-US" altLang="zh-CN" sz="1200" b="0" i="0" u="none" strike="noStrike" cap="none" normalizeH="0" baseline="0" dirty="0" err="1">
+                <a:ln>
+                  <a:noFill/>
+                </a:ln>
+                <a:solidFill>
+                  <a:schemeClr val="tx1"/>
+                </a:solidFill>
+                <a:effectLst/>
+                <a:latin typeface="Consolas" panose="020B0609020204030204" pitchFamily="49" charset="0"/>
+              </a:rPr>
+              <a:t>pulp.lpSum</a:t>
+            </a:r>
+            <a:r>
+              <a:rPr kumimoji="0" lang="en-US" altLang="zh-CN" sz="1200" b="0" i="0" u="none" strike="noStrike" cap="none" normalizeH="0" baseline="0" dirty="0">
+                <a:ln>
+                  <a:noFill/>
+                </a:ln>
+                <a:solidFill>
+                  <a:schemeClr val="tx1"/>
+                </a:solidFill>
+                <a:effectLst/>
+                <a:latin typeface="Consolas" panose="020B0609020204030204" pitchFamily="49" charset="0"/>
+              </a:rPr>
+              <a:t>([x[(</a:t>
+            </a:r>
+            <a:r>
+              <a:rPr lang="en-US" altLang="zh-CN" sz="1200" b="0" dirty="0">
+                <a:solidFill>
+                  <a:schemeClr val="tx1"/>
+                </a:solidFill>
+                <a:latin typeface="Consolas" panose="020B0609020204030204" pitchFamily="49" charset="0"/>
+              </a:rPr>
+              <a:t>j</a:t>
+            </a:r>
+            <a:r>
+              <a:rPr kumimoji="0" lang="en-US" altLang="zh-CN" sz="1200" b="0" i="0" u="none" strike="noStrike" cap="none" normalizeH="0" baseline="0" dirty="0">
+                <a:ln>
+                  <a:noFill/>
+                </a:ln>
+                <a:solidFill>
+                  <a:schemeClr val="tx1"/>
+                </a:solidFill>
+                <a:effectLst/>
+                <a:latin typeface="Consolas" panose="020B0609020204030204" pitchFamily="49" charset="0"/>
+              </a:rPr>
+              <a:t>, </a:t>
+            </a:r>
+            <a:r>
+              <a:rPr kumimoji="0" lang="en-US" altLang="zh-CN" sz="1200" b="0" i="0" u="none" strike="noStrike" cap="none" normalizeH="0" baseline="0" dirty="0" err="1">
+                <a:ln>
+                  <a:noFill/>
+                </a:ln>
+                <a:solidFill>
+                  <a:schemeClr val="tx1"/>
+                </a:solidFill>
+                <a:effectLst/>
+                <a:latin typeface="Consolas" panose="020B0609020204030204" pitchFamily="49" charset="0"/>
+              </a:rPr>
+              <a:t>i</a:t>
+            </a:r>
+            <a:r>
+              <a:rPr kumimoji="0" lang="en-US" altLang="zh-CN" sz="1200" b="0" i="0" u="none" strike="noStrike" cap="none" normalizeH="0" baseline="0" dirty="0">
+                <a:ln>
+                  <a:noFill/>
+                </a:ln>
+                <a:solidFill>
+                  <a:schemeClr val="tx1"/>
+                </a:solidFill>
+                <a:effectLst/>
+                <a:latin typeface="Consolas" panose="020B0609020204030204" pitchFamily="49" charset="0"/>
+              </a:rPr>
+              <a:t>)] for </a:t>
+            </a:r>
+            <a:r>
+              <a:rPr lang="en-US" altLang="zh-CN" sz="1200" b="0" dirty="0">
+                <a:solidFill>
+                  <a:schemeClr val="tx1"/>
+                </a:solidFill>
+                <a:latin typeface="Consolas" panose="020B0609020204030204" pitchFamily="49" charset="0"/>
+              </a:rPr>
+              <a:t>j</a:t>
+            </a:r>
+            <a:r>
+              <a:rPr kumimoji="0" lang="en-US" altLang="zh-CN" sz="1200" b="0" i="0" u="none" strike="noStrike" cap="none" normalizeH="0" baseline="0" dirty="0">
+                <a:ln>
+                  <a:noFill/>
+                </a:ln>
+                <a:solidFill>
+                  <a:schemeClr val="tx1"/>
+                </a:solidFill>
+                <a:effectLst/>
+                <a:latin typeface="Consolas" panose="020B0609020204030204" pitchFamily="49" charset="0"/>
+              </a:rPr>
+              <a:t> in </a:t>
+            </a:r>
+            <a:r>
+              <a:rPr kumimoji="0" lang="en-US" altLang="zh-CN" sz="1200" b="0" i="0" u="none" strike="noStrike" cap="none" normalizeH="0" baseline="0" dirty="0" err="1">
+                <a:ln>
+                  <a:noFill/>
+                </a:ln>
+                <a:solidFill>
+                  <a:schemeClr val="tx1"/>
+                </a:solidFill>
+                <a:effectLst/>
+                <a:latin typeface="Consolas" panose="020B0609020204030204" pitchFamily="49" charset="0"/>
+              </a:rPr>
+              <a:t>citys</a:t>
+            </a:r>
+            <a:r>
+              <a:rPr kumimoji="0" lang="en-US" altLang="zh-CN" sz="1200" b="0" i="0" u="none" strike="noStrike" cap="none" normalizeH="0" baseline="0" dirty="0">
+                <a:ln>
+                  <a:noFill/>
+                </a:ln>
+                <a:solidFill>
+                  <a:schemeClr val="tx1"/>
+                </a:solidFill>
+                <a:effectLst/>
+                <a:latin typeface="Consolas" panose="020B0609020204030204" pitchFamily="49" charset="0"/>
+              </a:rPr>
+              <a:t> if (</a:t>
+            </a:r>
+            <a:r>
+              <a:rPr lang="en-US" altLang="zh-CN" sz="1200" b="0" dirty="0">
+                <a:solidFill>
+                  <a:schemeClr val="tx1"/>
+                </a:solidFill>
+                <a:latin typeface="Consolas" panose="020B0609020204030204" pitchFamily="49" charset="0"/>
+              </a:rPr>
+              <a:t>j</a:t>
+            </a:r>
+            <a:r>
+              <a:rPr kumimoji="0" lang="en-US" altLang="zh-CN" sz="1200" b="0" i="0" u="none" strike="noStrike" cap="none" normalizeH="0" baseline="0" dirty="0">
+                <a:ln>
+                  <a:noFill/>
+                </a:ln>
+                <a:solidFill>
+                  <a:schemeClr val="tx1"/>
+                </a:solidFill>
+                <a:effectLst/>
+                <a:latin typeface="Consolas" panose="020B0609020204030204" pitchFamily="49" charset="0"/>
+              </a:rPr>
+              <a:t>, </a:t>
+            </a:r>
+            <a:r>
+              <a:rPr kumimoji="0" lang="en-US" altLang="zh-CN" sz="1200" b="0" i="0" u="none" strike="noStrike" cap="none" normalizeH="0" baseline="0" dirty="0" err="1">
+                <a:ln>
+                  <a:noFill/>
+                </a:ln>
+                <a:solidFill>
+                  <a:schemeClr val="tx1"/>
+                </a:solidFill>
+                <a:effectLst/>
+                <a:latin typeface="Consolas" panose="020B0609020204030204" pitchFamily="49" charset="0"/>
+              </a:rPr>
+              <a:t>i</a:t>
+            </a:r>
+            <a:r>
+              <a:rPr kumimoji="0" lang="en-US" altLang="zh-CN" sz="1200" b="0" i="0" u="none" strike="noStrike" cap="none" normalizeH="0" baseline="0" dirty="0">
+                <a:ln>
+                  <a:noFill/>
+                </a:ln>
+                <a:solidFill>
+                  <a:schemeClr val="tx1"/>
+                </a:solidFill>
+                <a:effectLst/>
+                <a:latin typeface="Consolas" panose="020B0609020204030204" pitchFamily="49" charset="0"/>
+              </a:rPr>
+              <a:t>) in x]) == 1</a:t>
+            </a:r>
+          </a:p>
+          <a:p>
+            <a:pPr marL="0" marR="0" indent="0" defTabSz="914400" rtl="0" eaLnBrk="1" fontAlgn="base" latinLnBrk="0" hangingPunct="1">
+              <a:lnSpc>
+                <a:spcPct val="100000"/>
+              </a:lnSpc>
+              <a:spcBef>
+                <a:spcPts val="0"/>
+              </a:spcBef>
+              <a:spcAft>
+                <a:spcPct val="0"/>
+              </a:spcAft>
+              <a:buClrTx/>
+              <a:buSzTx/>
+              <a:buFontTx/>
+              <a:buNone/>
+              <a:tabLst/>
+            </a:pPr>
+            <a:r>
+              <a:rPr kumimoji="0" lang="en-US" altLang="zh-CN" sz="1200" b="0" i="0" u="none" strike="noStrike" cap="none" normalizeH="0" baseline="0" dirty="0">
+                <a:ln>
+                  <a:noFill/>
+                </a:ln>
+                <a:solidFill>
+                  <a:schemeClr val="tx1"/>
+                </a:solidFill>
+                <a:effectLst/>
+                <a:latin typeface="Consolas" panose="020B0609020204030204" pitchFamily="49" charset="0"/>
+              </a:rPr>
+              <a:t>    model += </a:t>
+            </a:r>
+            <a:r>
+              <a:rPr kumimoji="0" lang="en-US" altLang="zh-CN" sz="1200" b="0" i="0" u="none" strike="noStrike" cap="none" normalizeH="0" baseline="0" dirty="0" err="1">
+                <a:ln>
+                  <a:noFill/>
+                </a:ln>
+                <a:solidFill>
+                  <a:schemeClr val="tx1"/>
+                </a:solidFill>
+                <a:effectLst/>
+                <a:latin typeface="Consolas" panose="020B0609020204030204" pitchFamily="49" charset="0"/>
+              </a:rPr>
+              <a:t>pulp.lpSum</a:t>
+            </a:r>
+            <a:r>
+              <a:rPr kumimoji="0" lang="en-US" altLang="zh-CN" sz="1200" b="0" i="0" u="none" strike="noStrike" cap="none" normalizeH="0" baseline="0" dirty="0">
+                <a:ln>
+                  <a:noFill/>
+                </a:ln>
+                <a:solidFill>
+                  <a:schemeClr val="tx1"/>
+                </a:solidFill>
+                <a:effectLst/>
+                <a:latin typeface="Consolas" panose="020B0609020204030204" pitchFamily="49" charset="0"/>
+              </a:rPr>
+              <a:t>([x[(</a:t>
+            </a:r>
+            <a:r>
+              <a:rPr kumimoji="0" lang="en-US" altLang="zh-CN" sz="1200" b="0" i="0" u="none" strike="noStrike" cap="none" normalizeH="0" baseline="0" dirty="0" err="1">
+                <a:ln>
+                  <a:noFill/>
+                </a:ln>
+                <a:solidFill>
+                  <a:schemeClr val="tx1"/>
+                </a:solidFill>
+                <a:effectLst/>
+                <a:latin typeface="Consolas" panose="020B0609020204030204" pitchFamily="49" charset="0"/>
+              </a:rPr>
+              <a:t>i</a:t>
+            </a:r>
+            <a:r>
+              <a:rPr kumimoji="0" lang="en-US" altLang="zh-CN" sz="1200" b="0" i="0" u="none" strike="noStrike" cap="none" normalizeH="0" baseline="0" dirty="0">
+                <a:ln>
+                  <a:noFill/>
+                </a:ln>
+                <a:solidFill>
+                  <a:schemeClr val="tx1"/>
+                </a:solidFill>
+                <a:effectLst/>
+                <a:latin typeface="Consolas" panose="020B0609020204030204" pitchFamily="49" charset="0"/>
+              </a:rPr>
+              <a:t>, </a:t>
+            </a:r>
+            <a:r>
+              <a:rPr lang="en-US" altLang="zh-CN" sz="1200" b="0" dirty="0">
+                <a:solidFill>
+                  <a:schemeClr val="tx1"/>
+                </a:solidFill>
+                <a:latin typeface="Consolas" panose="020B0609020204030204" pitchFamily="49" charset="0"/>
+              </a:rPr>
+              <a:t>j</a:t>
+            </a:r>
+            <a:r>
+              <a:rPr kumimoji="0" lang="en-US" altLang="zh-CN" sz="1200" b="0" i="0" u="none" strike="noStrike" cap="none" normalizeH="0" baseline="0" dirty="0">
+                <a:ln>
+                  <a:noFill/>
+                </a:ln>
+                <a:solidFill>
+                  <a:schemeClr val="tx1"/>
+                </a:solidFill>
+                <a:effectLst/>
+                <a:latin typeface="Consolas" panose="020B0609020204030204" pitchFamily="49" charset="0"/>
+              </a:rPr>
+              <a:t>)] for </a:t>
+            </a:r>
+            <a:r>
+              <a:rPr lang="en-US" altLang="zh-CN" sz="1200" b="0" dirty="0">
+                <a:solidFill>
+                  <a:schemeClr val="tx1"/>
+                </a:solidFill>
+                <a:latin typeface="Consolas" panose="020B0609020204030204" pitchFamily="49" charset="0"/>
+              </a:rPr>
+              <a:t>j</a:t>
+            </a:r>
+            <a:r>
+              <a:rPr kumimoji="0" lang="en-US" altLang="zh-CN" sz="1200" b="0" i="0" u="none" strike="noStrike" cap="none" normalizeH="0" baseline="0" dirty="0">
+                <a:ln>
+                  <a:noFill/>
+                </a:ln>
+                <a:solidFill>
+                  <a:schemeClr val="tx1"/>
+                </a:solidFill>
+                <a:effectLst/>
+                <a:latin typeface="Consolas" panose="020B0609020204030204" pitchFamily="49" charset="0"/>
+              </a:rPr>
+              <a:t> in </a:t>
+            </a:r>
+            <a:r>
+              <a:rPr kumimoji="0" lang="en-US" altLang="zh-CN" sz="1200" b="0" i="0" u="none" strike="noStrike" cap="none" normalizeH="0" baseline="0" dirty="0" err="1">
+                <a:ln>
+                  <a:noFill/>
+                </a:ln>
+                <a:solidFill>
+                  <a:schemeClr val="tx1"/>
+                </a:solidFill>
+                <a:effectLst/>
+                <a:latin typeface="Consolas" panose="020B0609020204030204" pitchFamily="49" charset="0"/>
+              </a:rPr>
+              <a:t>citys</a:t>
+            </a:r>
+            <a:r>
+              <a:rPr kumimoji="0" lang="en-US" altLang="zh-CN" sz="1200" b="0" i="0" u="none" strike="noStrike" cap="none" normalizeH="0" baseline="0" dirty="0">
+                <a:ln>
+                  <a:noFill/>
+                </a:ln>
+                <a:solidFill>
+                  <a:schemeClr val="tx1"/>
+                </a:solidFill>
+                <a:effectLst/>
+                <a:latin typeface="Consolas" panose="020B0609020204030204" pitchFamily="49" charset="0"/>
+              </a:rPr>
+              <a:t> if (</a:t>
+            </a:r>
+            <a:r>
+              <a:rPr kumimoji="0" lang="en-US" altLang="zh-CN" sz="1200" b="0" i="0" u="none" strike="noStrike" cap="none" normalizeH="0" baseline="0" dirty="0" err="1">
+                <a:ln>
+                  <a:noFill/>
+                </a:ln>
+                <a:solidFill>
+                  <a:schemeClr val="tx1"/>
+                </a:solidFill>
+                <a:effectLst/>
+                <a:latin typeface="Consolas" panose="020B0609020204030204" pitchFamily="49" charset="0"/>
+              </a:rPr>
+              <a:t>i</a:t>
+            </a:r>
+            <a:r>
+              <a:rPr kumimoji="0" lang="en-US" altLang="zh-CN" sz="1200" b="0" i="0" u="none" strike="noStrike" cap="none" normalizeH="0" baseline="0" dirty="0">
+                <a:ln>
+                  <a:noFill/>
+                </a:ln>
+                <a:solidFill>
+                  <a:schemeClr val="tx1"/>
+                </a:solidFill>
+                <a:effectLst/>
+                <a:latin typeface="Consolas" panose="020B0609020204030204" pitchFamily="49" charset="0"/>
+              </a:rPr>
+              <a:t>, </a:t>
+            </a:r>
+            <a:r>
+              <a:rPr lang="en-US" altLang="zh-CN" sz="1200" b="0" dirty="0">
+                <a:solidFill>
+                  <a:schemeClr val="tx1"/>
+                </a:solidFill>
+                <a:latin typeface="Consolas" panose="020B0609020204030204" pitchFamily="49" charset="0"/>
+              </a:rPr>
+              <a:t>j</a:t>
+            </a:r>
+            <a:r>
+              <a:rPr kumimoji="0" lang="en-US" altLang="zh-CN" sz="1200" b="0" i="0" u="none" strike="noStrike" cap="none" normalizeH="0" baseline="0" dirty="0">
+                <a:ln>
+                  <a:noFill/>
+                </a:ln>
+                <a:solidFill>
+                  <a:schemeClr val="tx1"/>
+                </a:solidFill>
+                <a:effectLst/>
+                <a:latin typeface="Consolas" panose="020B0609020204030204" pitchFamily="49" charset="0"/>
+              </a:rPr>
+              <a:t>) in x]) == 1</a:t>
+            </a:r>
+          </a:p>
+          <a:p>
+            <a:pPr marL="0" marR="0" indent="0" defTabSz="914400" rtl="0" eaLnBrk="1" fontAlgn="base" latinLnBrk="0" hangingPunct="1">
+              <a:lnSpc>
+                <a:spcPct val="100000"/>
+              </a:lnSpc>
+              <a:spcBef>
+                <a:spcPts val="0"/>
+              </a:spcBef>
+              <a:spcAft>
+                <a:spcPct val="0"/>
+              </a:spcAft>
+              <a:buClrTx/>
+              <a:buSzTx/>
+              <a:buFontTx/>
+              <a:buNone/>
+              <a:tabLst/>
+            </a:pPr>
+            <a:r>
+              <a:rPr kumimoji="0" lang="en-US" altLang="zh-CN" sz="1200" b="0" i="0" u="none" strike="noStrike" cap="none" normalizeH="0" baseline="0" dirty="0">
+                <a:ln>
+                  <a:noFill/>
+                </a:ln>
+                <a:solidFill>
+                  <a:schemeClr val="tx1"/>
+                </a:solidFill>
+                <a:effectLst/>
+                <a:latin typeface="Consolas" panose="020B0609020204030204" pitchFamily="49" charset="0"/>
+              </a:rPr>
+              <a:t># </a:t>
+            </a:r>
+            <a:r>
+              <a:rPr kumimoji="0" lang="zh-CN" altLang="en-US" sz="1200" b="0" i="0" u="none" strike="noStrike" cap="none" normalizeH="0" baseline="0" dirty="0">
+                <a:ln>
+                  <a:noFill/>
+                </a:ln>
+                <a:solidFill>
+                  <a:schemeClr val="tx1"/>
+                </a:solidFill>
+                <a:effectLst/>
+                <a:latin typeface="Consolas" panose="020B0609020204030204" pitchFamily="49" charset="0"/>
+              </a:rPr>
+              <a:t>让每个节点都被经过，避免形成多个 </a:t>
+            </a:r>
+            <a:r>
+              <a:rPr kumimoji="0" lang="en-US" altLang="zh-CN" sz="1200" b="0" i="0" u="none" strike="noStrike" cap="none" normalizeH="0" baseline="0" dirty="0">
+                <a:ln>
+                  <a:noFill/>
+                </a:ln>
+                <a:solidFill>
+                  <a:schemeClr val="tx1"/>
+                </a:solidFill>
+                <a:effectLst/>
+                <a:latin typeface="Consolas" panose="020B0609020204030204" pitchFamily="49" charset="0"/>
+              </a:rPr>
+              <a:t>subtour </a:t>
+            </a:r>
+            <a:r>
+              <a:rPr kumimoji="0" lang="zh-CN" altLang="en-US" sz="1200" b="0" i="0" u="none" strike="noStrike" cap="none" normalizeH="0" baseline="0" dirty="0">
+                <a:ln>
+                  <a:noFill/>
+                </a:ln>
+                <a:solidFill>
+                  <a:schemeClr val="tx1"/>
+                </a:solidFill>
+                <a:effectLst/>
+                <a:latin typeface="Consolas" panose="020B0609020204030204" pitchFamily="49" charset="0"/>
+              </a:rPr>
+              <a:t>闭环</a:t>
+            </a:r>
+          </a:p>
+          <a:p>
+            <a:pPr marL="0" marR="0" indent="0" defTabSz="914400" rtl="0" eaLnBrk="1" fontAlgn="base" latinLnBrk="0" hangingPunct="1">
+              <a:lnSpc>
+                <a:spcPct val="100000"/>
+              </a:lnSpc>
+              <a:spcBef>
+                <a:spcPts val="0"/>
+              </a:spcBef>
+              <a:spcAft>
+                <a:spcPct val="0"/>
+              </a:spcAft>
+              <a:buClrTx/>
+              <a:buSzTx/>
+              <a:buFontTx/>
+              <a:buNone/>
+              <a:tabLst/>
+            </a:pPr>
+            <a:r>
+              <a:rPr kumimoji="0" lang="en-US" altLang="zh-CN" sz="1200" b="0" i="0" u="none" strike="noStrike" cap="none" normalizeH="0" baseline="0" dirty="0">
+                <a:ln>
+                  <a:noFill/>
+                </a:ln>
+                <a:solidFill>
+                  <a:schemeClr val="tx1"/>
+                </a:solidFill>
+                <a:effectLst/>
+                <a:latin typeface="Consolas" panose="020B0609020204030204" pitchFamily="49" charset="0"/>
+              </a:rPr>
+              <a:t># </a:t>
+            </a:r>
+            <a:r>
+              <a:rPr kumimoji="0" lang="zh-CN" altLang="en-US" sz="1200" b="0" i="0" u="none" strike="noStrike" cap="none" normalizeH="0" baseline="0" dirty="0">
+                <a:ln>
+                  <a:noFill/>
+                </a:ln>
+                <a:solidFill>
+                  <a:schemeClr val="tx1"/>
+                </a:solidFill>
+                <a:effectLst/>
+                <a:latin typeface="Consolas" panose="020B0609020204030204" pitchFamily="49" charset="0"/>
+              </a:rPr>
+              <a:t>变量 </a:t>
+            </a:r>
+            <a:r>
+              <a:rPr kumimoji="0" lang="en-US" altLang="zh-CN" sz="1200" b="0" i="0" u="none" strike="noStrike" cap="none" normalizeH="0" baseline="0" dirty="0">
+                <a:ln>
+                  <a:noFill/>
+                </a:ln>
+                <a:solidFill>
+                  <a:schemeClr val="tx1"/>
+                </a:solidFill>
+                <a:effectLst/>
+                <a:latin typeface="Consolas" panose="020B0609020204030204" pitchFamily="49" charset="0"/>
+              </a:rPr>
+              <a:t>u </a:t>
+            </a:r>
+            <a:r>
+              <a:rPr kumimoji="0" lang="zh-CN" altLang="en-US" sz="1200" b="0" i="0" u="none" strike="noStrike" cap="none" normalizeH="0" baseline="0" dirty="0">
+                <a:ln>
+                  <a:noFill/>
+                </a:ln>
+                <a:solidFill>
+                  <a:schemeClr val="tx1"/>
+                </a:solidFill>
+                <a:effectLst/>
+                <a:latin typeface="Consolas" panose="020B0609020204030204" pitchFamily="49" charset="0"/>
+              </a:rPr>
+              <a:t>代表在路径上访问一个节点的顺序</a:t>
+            </a:r>
+          </a:p>
+          <a:p>
+            <a:pPr marL="0" marR="0" indent="0" defTabSz="914400" rtl="0" eaLnBrk="1" fontAlgn="base" latinLnBrk="0" hangingPunct="1">
+              <a:lnSpc>
+                <a:spcPct val="100000"/>
+              </a:lnSpc>
+              <a:spcBef>
+                <a:spcPts val="0"/>
+              </a:spcBef>
+              <a:spcAft>
+                <a:spcPct val="0"/>
+              </a:spcAft>
+              <a:buClrTx/>
+              <a:buSzTx/>
+              <a:buFontTx/>
+              <a:buNone/>
+              <a:tabLst/>
+            </a:pPr>
+            <a:r>
+              <a:rPr kumimoji="0" lang="en-US" altLang="zh-CN" sz="1200" b="0" i="0" u="none" strike="noStrike" cap="none" normalizeH="0" baseline="0" dirty="0">
+                <a:ln>
+                  <a:noFill/>
+                </a:ln>
+                <a:solidFill>
+                  <a:schemeClr val="tx1"/>
+                </a:solidFill>
+                <a:effectLst/>
+                <a:latin typeface="Consolas" panose="020B0609020204030204" pitchFamily="49" charset="0"/>
+              </a:rPr>
+              <a:t>u = </a:t>
+            </a:r>
+            <a:r>
+              <a:rPr kumimoji="0" lang="en-US" altLang="zh-CN" sz="1200" b="0" i="0" u="none" strike="noStrike" cap="none" normalizeH="0" baseline="0" dirty="0" err="1">
+                <a:ln>
+                  <a:noFill/>
+                </a:ln>
+                <a:solidFill>
+                  <a:schemeClr val="tx1"/>
+                </a:solidFill>
+                <a:effectLst/>
+                <a:latin typeface="Consolas" panose="020B0609020204030204" pitchFamily="49" charset="0"/>
+              </a:rPr>
+              <a:t>pulp.LpVariable.dicts</a:t>
+            </a:r>
+            <a:r>
+              <a:rPr kumimoji="0" lang="en-US" altLang="zh-CN" sz="1200" b="0" i="0" u="none" strike="noStrike" cap="none" normalizeH="0" baseline="0" dirty="0">
+                <a:ln>
+                  <a:noFill/>
+                </a:ln>
+                <a:solidFill>
+                  <a:schemeClr val="tx1"/>
+                </a:solidFill>
+                <a:effectLst/>
+                <a:latin typeface="Consolas" panose="020B0609020204030204" pitchFamily="49" charset="0"/>
+              </a:rPr>
+              <a:t>("u", </a:t>
+            </a:r>
+            <a:r>
+              <a:rPr kumimoji="0" lang="en-US" altLang="zh-CN" sz="1200" b="0" i="0" u="none" strike="noStrike" cap="none" normalizeH="0" baseline="0" dirty="0" err="1">
+                <a:ln>
+                  <a:noFill/>
+                </a:ln>
+                <a:solidFill>
+                  <a:schemeClr val="tx1"/>
+                </a:solidFill>
+                <a:effectLst/>
+                <a:latin typeface="Consolas" panose="020B0609020204030204" pitchFamily="49" charset="0"/>
+              </a:rPr>
+              <a:t>citys</a:t>
+            </a:r>
+            <a:r>
+              <a:rPr kumimoji="0" lang="en-US" altLang="zh-CN" sz="1200" b="0" i="0" u="none" strike="noStrike" cap="none" normalizeH="0" baseline="0" dirty="0">
+                <a:ln>
+                  <a:noFill/>
+                </a:ln>
+                <a:solidFill>
+                  <a:schemeClr val="tx1"/>
+                </a:solidFill>
+                <a:effectLst/>
+                <a:latin typeface="Consolas" panose="020B0609020204030204" pitchFamily="49" charset="0"/>
+              </a:rPr>
+              <a:t>, 1, n - 1, </a:t>
+            </a:r>
+            <a:r>
+              <a:rPr kumimoji="0" lang="en-US" altLang="zh-CN" sz="1200" b="0" i="0" u="none" strike="noStrike" cap="none" normalizeH="0" baseline="0" dirty="0" err="1">
+                <a:ln>
+                  <a:noFill/>
+                </a:ln>
+                <a:solidFill>
+                  <a:schemeClr val="tx1"/>
+                </a:solidFill>
+                <a:effectLst/>
+                <a:latin typeface="Consolas" panose="020B0609020204030204" pitchFamily="49" charset="0"/>
+              </a:rPr>
+              <a:t>pulp.LpContinuous</a:t>
+            </a:r>
+            <a:r>
+              <a:rPr kumimoji="0" lang="en-US" altLang="zh-CN" sz="1200" b="0" i="0" u="none" strike="noStrike" cap="none" normalizeH="0" baseline="0" dirty="0">
+                <a:ln>
+                  <a:noFill/>
+                </a:ln>
+                <a:solidFill>
+                  <a:schemeClr val="tx1"/>
+                </a:solidFill>
+                <a:effectLst/>
+                <a:latin typeface="Consolas" panose="020B0609020204030204" pitchFamily="49" charset="0"/>
+              </a:rPr>
+              <a:t>)</a:t>
+            </a:r>
+          </a:p>
+          <a:p>
+            <a:pPr marL="0" marR="0" indent="0" defTabSz="914400" rtl="0" eaLnBrk="1" fontAlgn="base" latinLnBrk="0" hangingPunct="1">
+              <a:lnSpc>
+                <a:spcPct val="100000"/>
+              </a:lnSpc>
+              <a:spcBef>
+                <a:spcPts val="0"/>
+              </a:spcBef>
+              <a:spcAft>
+                <a:spcPct val="0"/>
+              </a:spcAft>
+              <a:buClrTx/>
+              <a:buSzTx/>
+              <a:buFontTx/>
+              <a:buNone/>
+              <a:tabLst/>
+            </a:pPr>
+            <a:r>
+              <a:rPr kumimoji="0" lang="en-US" altLang="zh-CN" sz="1200" b="0" i="0" u="none" strike="noStrike" cap="none" normalizeH="0" baseline="0" dirty="0">
+                <a:ln>
+                  <a:noFill/>
+                </a:ln>
+                <a:solidFill>
+                  <a:schemeClr val="tx1"/>
+                </a:solidFill>
+                <a:effectLst/>
+                <a:latin typeface="Consolas" panose="020B0609020204030204" pitchFamily="49" charset="0"/>
+              </a:rPr>
+              <a:t>for </a:t>
+            </a:r>
+            <a:r>
+              <a:rPr kumimoji="0" lang="en-US" altLang="zh-CN" sz="1200" b="0" i="0" u="none" strike="noStrike" cap="none" normalizeH="0" baseline="0" dirty="0" err="1">
+                <a:ln>
+                  <a:noFill/>
+                </a:ln>
+                <a:solidFill>
+                  <a:schemeClr val="tx1"/>
+                </a:solidFill>
+                <a:effectLst/>
+                <a:latin typeface="Consolas" panose="020B0609020204030204" pitchFamily="49" charset="0"/>
+              </a:rPr>
+              <a:t>i</a:t>
+            </a:r>
+            <a:r>
+              <a:rPr kumimoji="0" lang="en-US" altLang="zh-CN" sz="1200" b="0" i="0" u="none" strike="noStrike" cap="none" normalizeH="0" baseline="0" dirty="0">
+                <a:ln>
+                  <a:noFill/>
+                </a:ln>
+                <a:solidFill>
+                  <a:schemeClr val="tx1"/>
+                </a:solidFill>
+                <a:effectLst/>
+                <a:latin typeface="Consolas" panose="020B0609020204030204" pitchFamily="49" charset="0"/>
+              </a:rPr>
+              <a:t>, j in </a:t>
+            </a:r>
+            <a:r>
+              <a:rPr kumimoji="0" lang="en-US" altLang="zh-CN" sz="1200" b="0" i="0" u="none" strike="noStrike" cap="none" normalizeH="0" baseline="0" dirty="0" err="1">
+                <a:ln>
+                  <a:noFill/>
+                </a:ln>
+                <a:solidFill>
+                  <a:schemeClr val="tx1"/>
+                </a:solidFill>
+                <a:effectLst/>
+                <a:latin typeface="Consolas" panose="020B0609020204030204" pitchFamily="49" charset="0"/>
+              </a:rPr>
+              <a:t>dist</a:t>
+            </a:r>
+            <a:r>
+              <a:rPr kumimoji="0" lang="en-US" altLang="zh-CN" sz="1200" b="0" i="0" u="none" strike="noStrike" cap="none" normalizeH="0" baseline="0" dirty="0">
+                <a:ln>
+                  <a:noFill/>
+                </a:ln>
+                <a:solidFill>
+                  <a:schemeClr val="tx1"/>
+                </a:solidFill>
+                <a:effectLst/>
+                <a:latin typeface="Consolas" panose="020B0609020204030204" pitchFamily="49" charset="0"/>
+              </a:rPr>
+              <a:t>:</a:t>
+            </a:r>
+          </a:p>
+          <a:p>
+            <a:pPr marL="0" marR="0" indent="0" defTabSz="914400" rtl="0" eaLnBrk="1" fontAlgn="base" latinLnBrk="0" hangingPunct="1">
+              <a:lnSpc>
+                <a:spcPct val="100000"/>
+              </a:lnSpc>
+              <a:spcBef>
+                <a:spcPts val="0"/>
+              </a:spcBef>
+              <a:spcAft>
+                <a:spcPct val="0"/>
+              </a:spcAft>
+              <a:buClrTx/>
+              <a:buSzTx/>
+              <a:buFontTx/>
+              <a:buNone/>
+              <a:tabLst/>
+            </a:pPr>
+            <a:r>
+              <a:rPr kumimoji="0" lang="en-US" altLang="zh-CN" sz="1200" b="0" i="0" u="none" strike="noStrike" cap="none" normalizeH="0" baseline="0" dirty="0">
+                <a:ln>
+                  <a:noFill/>
+                </a:ln>
+                <a:solidFill>
+                  <a:schemeClr val="tx1"/>
+                </a:solidFill>
+                <a:effectLst/>
+                <a:latin typeface="Consolas" panose="020B0609020204030204" pitchFamily="49" charset="0"/>
+              </a:rPr>
+              <a:t>    if </a:t>
+            </a:r>
+            <a:r>
+              <a:rPr kumimoji="0" lang="en-US" altLang="zh-CN" sz="1200" b="0" i="0" u="none" strike="noStrike" cap="none" normalizeH="0" baseline="0" dirty="0" err="1">
+                <a:ln>
+                  <a:noFill/>
+                </a:ln>
+                <a:solidFill>
+                  <a:schemeClr val="tx1"/>
+                </a:solidFill>
+                <a:effectLst/>
+                <a:latin typeface="Consolas" panose="020B0609020204030204" pitchFamily="49" charset="0"/>
+              </a:rPr>
+              <a:t>i</a:t>
+            </a:r>
+            <a:r>
+              <a:rPr kumimoji="0" lang="en-US" altLang="zh-CN" sz="1200" b="0" i="0" u="none" strike="noStrike" cap="none" normalizeH="0" baseline="0" dirty="0">
+                <a:ln>
+                  <a:noFill/>
+                </a:ln>
+                <a:solidFill>
+                  <a:schemeClr val="tx1"/>
+                </a:solidFill>
+                <a:effectLst/>
+                <a:latin typeface="Consolas" panose="020B0609020204030204" pitchFamily="49" charset="0"/>
+              </a:rPr>
+              <a:t> != 1 and j != 1:</a:t>
+            </a:r>
+          </a:p>
+          <a:p>
+            <a:pPr marL="0" marR="0" indent="0" defTabSz="914400" rtl="0" eaLnBrk="1" fontAlgn="base" latinLnBrk="0" hangingPunct="1">
+              <a:lnSpc>
+                <a:spcPct val="100000"/>
+              </a:lnSpc>
+              <a:spcBef>
+                <a:spcPts val="0"/>
+              </a:spcBef>
+              <a:spcAft>
+                <a:spcPct val="0"/>
+              </a:spcAft>
+              <a:buClrTx/>
+              <a:buSzTx/>
+              <a:buFontTx/>
+              <a:buNone/>
+              <a:tabLst/>
+            </a:pPr>
+            <a:r>
+              <a:rPr kumimoji="0" lang="en-US" altLang="zh-CN" sz="1200" b="0" i="0" u="none" strike="noStrike" cap="none" normalizeH="0" baseline="0" dirty="0">
+                <a:ln>
+                  <a:noFill/>
+                </a:ln>
+                <a:solidFill>
+                  <a:schemeClr val="tx1"/>
+                </a:solidFill>
+                <a:effectLst/>
+                <a:latin typeface="Consolas" panose="020B0609020204030204" pitchFamily="49" charset="0"/>
+              </a:rPr>
+              <a:t>        model += u[</a:t>
+            </a:r>
+            <a:r>
+              <a:rPr kumimoji="0" lang="en-US" altLang="zh-CN" sz="1200" b="0" i="0" u="none" strike="noStrike" cap="none" normalizeH="0" baseline="0" dirty="0" err="1">
+                <a:ln>
+                  <a:noFill/>
+                </a:ln>
+                <a:solidFill>
+                  <a:schemeClr val="tx1"/>
+                </a:solidFill>
+                <a:effectLst/>
+                <a:latin typeface="Consolas" panose="020B0609020204030204" pitchFamily="49" charset="0"/>
+              </a:rPr>
+              <a:t>i</a:t>
+            </a:r>
+            <a:r>
+              <a:rPr kumimoji="0" lang="en-US" altLang="zh-CN" sz="1200" b="0" i="0" u="none" strike="noStrike" cap="none" normalizeH="0" baseline="0" dirty="0">
+                <a:ln>
+                  <a:noFill/>
+                </a:ln>
+                <a:solidFill>
+                  <a:schemeClr val="tx1"/>
+                </a:solidFill>
+                <a:effectLst/>
+                <a:latin typeface="Consolas" panose="020B0609020204030204" pitchFamily="49" charset="0"/>
+              </a:rPr>
+              <a:t>] - u[j] &lt;= n * (1 - x[(</a:t>
+            </a:r>
+            <a:r>
+              <a:rPr kumimoji="0" lang="en-US" altLang="zh-CN" sz="1200" b="0" i="0" u="none" strike="noStrike" cap="none" normalizeH="0" baseline="0" dirty="0" err="1">
+                <a:ln>
+                  <a:noFill/>
+                </a:ln>
+                <a:solidFill>
+                  <a:schemeClr val="tx1"/>
+                </a:solidFill>
+                <a:effectLst/>
+                <a:latin typeface="Consolas" panose="020B0609020204030204" pitchFamily="49" charset="0"/>
+              </a:rPr>
+              <a:t>i</a:t>
+            </a:r>
+            <a:r>
+              <a:rPr kumimoji="0" lang="en-US" altLang="zh-CN" sz="1200" b="0" i="0" u="none" strike="noStrike" cap="none" normalizeH="0" baseline="0" dirty="0">
+                <a:ln>
+                  <a:noFill/>
+                </a:ln>
+                <a:solidFill>
+                  <a:schemeClr val="tx1"/>
+                </a:solidFill>
+                <a:effectLst/>
+                <a:latin typeface="Consolas" panose="020B0609020204030204" pitchFamily="49" charset="0"/>
+              </a:rPr>
+              <a:t>, j)]) - 1</a:t>
+            </a:r>
+          </a:p>
+          <a:p>
+            <a:pPr marL="0" marR="0" indent="0" defTabSz="914400" rtl="0" eaLnBrk="1" fontAlgn="base" latinLnBrk="0" hangingPunct="1">
+              <a:lnSpc>
+                <a:spcPct val="100000"/>
+              </a:lnSpc>
+              <a:spcBef>
+                <a:spcPts val="0"/>
+              </a:spcBef>
+              <a:spcAft>
+                <a:spcPct val="0"/>
+              </a:spcAft>
+              <a:buClrTx/>
+              <a:buSzTx/>
+              <a:buFontTx/>
+              <a:buNone/>
+              <a:tabLst/>
+            </a:pPr>
+            <a:r>
+              <a:rPr kumimoji="0" lang="en-US" altLang="zh-CN" sz="1200" b="0" i="0" u="none" strike="noStrike" cap="none" normalizeH="0" baseline="0" dirty="0">
+                <a:ln>
+                  <a:noFill/>
+                </a:ln>
+                <a:solidFill>
+                  <a:schemeClr val="tx1"/>
+                </a:solidFill>
+                <a:effectLst/>
+                <a:latin typeface="Consolas" panose="020B0609020204030204" pitchFamily="49" charset="0"/>
+              </a:rPr>
+              <a:t># </a:t>
+            </a:r>
+            <a:r>
+              <a:rPr kumimoji="0" lang="zh-CN" altLang="en-US" sz="1200" b="0" i="0" u="none" strike="noStrike" cap="none" normalizeH="0" baseline="0" dirty="0">
+                <a:ln>
+                  <a:noFill/>
+                </a:ln>
+                <a:solidFill>
+                  <a:schemeClr val="tx1"/>
+                </a:solidFill>
+                <a:effectLst/>
+                <a:latin typeface="Consolas" panose="020B0609020204030204" pitchFamily="49" charset="0"/>
+              </a:rPr>
+              <a:t>求解</a:t>
+            </a:r>
+          </a:p>
+          <a:p>
+            <a:pPr marL="0" marR="0" indent="0" defTabSz="914400" rtl="0" eaLnBrk="1" fontAlgn="base" latinLnBrk="0" hangingPunct="1">
+              <a:lnSpc>
+                <a:spcPct val="100000"/>
+              </a:lnSpc>
+              <a:spcBef>
+                <a:spcPts val="0"/>
+              </a:spcBef>
+              <a:spcAft>
+                <a:spcPct val="0"/>
+              </a:spcAft>
+              <a:buClrTx/>
+              <a:buSzTx/>
+              <a:buFontTx/>
+              <a:buNone/>
+              <a:tabLst/>
+            </a:pPr>
+            <a:r>
+              <a:rPr kumimoji="0" lang="en-US" altLang="zh-CN" sz="1200" b="0" i="0" u="none" strike="noStrike" cap="none" normalizeH="0" baseline="0" dirty="0" err="1">
+                <a:ln>
+                  <a:noFill/>
+                </a:ln>
+                <a:solidFill>
+                  <a:schemeClr val="tx1"/>
+                </a:solidFill>
+                <a:effectLst/>
+                <a:latin typeface="Consolas" panose="020B0609020204030204" pitchFamily="49" charset="0"/>
+              </a:rPr>
+              <a:t>model.solve</a:t>
+            </a:r>
+            <a:r>
+              <a:rPr kumimoji="0" lang="en-US" altLang="zh-CN" sz="1200" b="0" i="0" u="none" strike="noStrike" cap="none" normalizeH="0" baseline="0" dirty="0">
+                <a:ln>
+                  <a:noFill/>
+                </a:ln>
+                <a:solidFill>
+                  <a:schemeClr val="tx1"/>
+                </a:solidFill>
+                <a:effectLst/>
+                <a:latin typeface="Consolas" panose="020B0609020204030204" pitchFamily="49" charset="0"/>
+              </a:rPr>
+              <a:t>()</a:t>
+            </a:r>
+            <a:endParaRPr kumimoji="0" lang="zh-CN" altLang="en-US" sz="1200" b="0" i="0" u="none" strike="noStrike" cap="none" normalizeH="0" baseline="0" dirty="0">
+              <a:ln>
+                <a:noFill/>
+              </a:ln>
+              <a:solidFill>
+                <a:schemeClr val="tx1"/>
+              </a:solidFill>
+              <a:effectLst/>
+              <a:latin typeface="Consolas" panose="020B0609020204030204" pitchFamily="49" charset="0"/>
+            </a:endParaRPr>
+          </a:p>
+        </p:txBody>
+      </p:sp>
+      <p:pic>
+        <p:nvPicPr>
+          <p:cNvPr id="11" name="图片 10">
+            <a:extLst>
+              <a:ext uri="{FF2B5EF4-FFF2-40B4-BE49-F238E27FC236}">
+                <a16:creationId xmlns:a16="http://schemas.microsoft.com/office/drawing/2014/main" id="{E191B151-5F24-9110-BA4A-0A07DD2D36E1}"/>
+              </a:ext>
+            </a:extLst>
+          </p:cNvPr>
+          <p:cNvPicPr>
+            <a:picLocks noChangeAspect="1"/>
+          </p:cNvPicPr>
+          <p:nvPr/>
+        </p:nvPicPr>
+        <p:blipFill rotWithShape="1">
+          <a:blip r:embed="rId4">
+            <a:extLst>
+              <a:ext uri="{28A0092B-C50C-407E-A947-70E740481C1C}">
+                <a14:useLocalDpi xmlns:a14="http://schemas.microsoft.com/office/drawing/2010/main" val="0"/>
+              </a:ext>
+            </a:extLst>
+          </a:blip>
+          <a:srcRect b="3538"/>
+          <a:stretch/>
+        </p:blipFill>
+        <p:spPr>
+          <a:xfrm>
+            <a:off x="6859666" y="1700808"/>
+            <a:ext cx="2032814" cy="4708981"/>
+          </a:xfrm>
+          <a:prstGeom prst="rect">
+            <a:avLst/>
+          </a:prstGeom>
+          <a:noFill/>
+          <a:ln w="12700">
+            <a:solidFill>
+              <a:schemeClr val="tx2"/>
+            </a:solidFill>
+          </a:ln>
+        </p:spPr>
+      </p:pic>
+    </p:spTree>
+    <p:extLst>
+      <p:ext uri="{BB962C8B-B14F-4D97-AF65-F5344CB8AC3E}">
+        <p14:creationId xmlns:p14="http://schemas.microsoft.com/office/powerpoint/2010/main" val="4111145635"/>
+      </p:ext>
+    </p:extLst>
+  </p:cSld>
+  <p:clrMapOvr>
+    <a:masterClrMapping/>
+  </p:clrMapOvr>
+</p:sld>
+</file>
+
+<file path=ppt/slides/slide13.xml><?xml version="1.0" encoding="utf-8"?>
 <p:sld xmlns:a="http://schemas.openxmlformats.org/drawingml/2006/main" xmlns:r="http://schemas.openxmlformats.org/officeDocument/2006/relationships" xmlns:p="http://schemas.openxmlformats.org/presentationml/2006/main">
   <p:cSld>
     <p:spTree>
@@ -14491,7 +17002,7 @@
 </p:sld>
 </file>
 
-<file path=ppt/slides/slide13.xml><?xml version="1.0" encoding="utf-8"?>
+<file path=ppt/slides/slide14.xml><?xml version="1.0" encoding="utf-8"?>
 <p:sld xmlns:a="http://schemas.openxmlformats.org/drawingml/2006/main" xmlns:r="http://schemas.openxmlformats.org/officeDocument/2006/relationships" xmlns:p="http://schemas.openxmlformats.org/presentationml/2006/main">
   <p:cSld>
     <p:spTree>
@@ -14732,7 +17243,7 @@
           <p:nvPr/>
         </p:nvPicPr>
         <p:blipFill>
-          <a:blip r:embed="rId2">
+          <a:blip r:embed="rId3">
             <a:extLst>
               <a:ext uri="{28A0092B-C50C-407E-A947-70E740481C1C}">
                 <a14:useLocalDpi xmlns:a14="http://schemas.microsoft.com/office/drawing/2010/main" val="0"/>
@@ -15068,7 +17579,7 @@
           </p:cNvPicPr>
           <p:nvPr/>
         </p:nvPicPr>
-        <p:blipFill>
+        <p:blipFill rotWithShape="1">
           <a:blip r:embed="rId4" cstate="print">
             <a:extLst>
               <a:ext uri="{28A0092B-C50C-407E-A947-70E740481C1C}">
@@ -15076,15 +17587,13 @@
               </a:ext>
             </a:extLst>
           </a:blip>
-          <a:srcRect/>
-          <a:stretch>
-            <a:fillRect/>
-          </a:stretch>
+          <a:srcRect l="7811" r="14063"/>
+          <a:stretch/>
         </p:blipFill>
         <p:spPr bwMode="auto">
           <a:xfrm>
-            <a:off x="5076056" y="1844824"/>
-            <a:ext cx="3785574" cy="4601824"/>
+            <a:off x="5148064" y="1844824"/>
+            <a:ext cx="3600400" cy="4601824"/>
           </a:xfrm>
           <a:prstGeom prst="rect">
             <a:avLst/>
@@ -15518,7 +18027,7 @@
         </p:nvCxnSpPr>
         <p:spPr bwMode="auto">
           <a:xfrm flipH="1">
-            <a:off x="6598574" y="2016580"/>
+            <a:off x="6598574" y="1944572"/>
             <a:ext cx="214413" cy="85316"/>
           </a:xfrm>
           <a:prstGeom prst="straightConnector1">
@@ -15563,7 +18072,7 @@
         </p:nvCxnSpPr>
         <p:spPr bwMode="auto">
           <a:xfrm flipH="1">
-            <a:off x="5859781" y="2207420"/>
+            <a:off x="5859781" y="2135412"/>
             <a:ext cx="617603" cy="965427"/>
           </a:xfrm>
           <a:prstGeom prst="straightConnector1">
@@ -15608,7 +18117,7 @@
         </p:nvCxnSpPr>
         <p:spPr bwMode="auto">
           <a:xfrm>
-            <a:off x="5864442" y="3316538"/>
+            <a:off x="5864442" y="3244530"/>
             <a:ext cx="160810" cy="141446"/>
           </a:xfrm>
           <a:prstGeom prst="straightConnector1">
@@ -15653,7 +18162,7 @@
         </p:nvCxnSpPr>
         <p:spPr bwMode="auto">
           <a:xfrm>
-            <a:off x="6085847" y="3601675"/>
+            <a:off x="6085847" y="3529667"/>
             <a:ext cx="675867" cy="862149"/>
           </a:xfrm>
           <a:prstGeom prst="straightConnector1">
@@ -15698,7 +18207,7 @@
         </p:nvCxnSpPr>
         <p:spPr bwMode="auto">
           <a:xfrm>
-            <a:off x="6810657" y="4560367"/>
+            <a:off x="6810657" y="4488359"/>
             <a:ext cx="83901" cy="127975"/>
           </a:xfrm>
           <a:prstGeom prst="straightConnector1">
@@ -15743,7 +18252,7 @@
         </p:nvCxnSpPr>
         <p:spPr bwMode="auto">
           <a:xfrm>
-            <a:off x="6941607" y="4822140"/>
+            <a:off x="6941607" y="4750132"/>
             <a:ext cx="83901" cy="127975"/>
           </a:xfrm>
           <a:prstGeom prst="straightConnector1">
@@ -15788,7 +18297,7 @@
         </p:nvCxnSpPr>
         <p:spPr bwMode="auto">
           <a:xfrm flipH="1">
-            <a:off x="6701120" y="5090229"/>
+            <a:off x="6701120" y="5018221"/>
             <a:ext cx="351918" cy="1290978"/>
           </a:xfrm>
           <a:prstGeom prst="straightConnector1">
@@ -15833,7 +18342,7 @@
         </p:nvCxnSpPr>
         <p:spPr bwMode="auto">
           <a:xfrm flipV="1">
-            <a:off x="6708112" y="6210573"/>
+            <a:off x="6708112" y="6138565"/>
             <a:ext cx="811041" cy="181859"/>
           </a:xfrm>
           <a:prstGeom prst="straightConnector1">
@@ -15878,7 +18387,7 @@
         </p:nvCxnSpPr>
         <p:spPr bwMode="auto">
           <a:xfrm flipV="1">
-            <a:off x="7621699" y="5703162"/>
+            <a:off x="7621699" y="5631154"/>
             <a:ext cx="417173" cy="388417"/>
           </a:xfrm>
           <a:prstGeom prst="straightConnector1">
@@ -15923,7 +18432,7 @@
         </p:nvCxnSpPr>
         <p:spPr bwMode="auto">
           <a:xfrm flipH="1" flipV="1">
-            <a:off x="7680763" y="5340589"/>
+            <a:off x="7680763" y="5268581"/>
             <a:ext cx="325480" cy="281746"/>
           </a:xfrm>
           <a:prstGeom prst="straightConnector1">
@@ -15968,7 +18477,7 @@
         </p:nvCxnSpPr>
         <p:spPr bwMode="auto">
           <a:xfrm flipV="1">
-            <a:off x="7665979" y="4950115"/>
+            <a:off x="7665979" y="4878107"/>
             <a:ext cx="508115" cy="254619"/>
           </a:xfrm>
           <a:prstGeom prst="straightConnector1">
@@ -16013,7 +18522,7 @@
         </p:nvCxnSpPr>
         <p:spPr bwMode="auto">
           <a:xfrm flipH="1" flipV="1">
-            <a:off x="7830285" y="4319009"/>
+            <a:off x="7830285" y="4247001"/>
             <a:ext cx="343809" cy="402308"/>
           </a:xfrm>
           <a:prstGeom prst="straightConnector1">
@@ -16058,7 +18567,7 @@
         </p:nvCxnSpPr>
         <p:spPr bwMode="auto">
           <a:xfrm flipH="1">
-            <a:off x="7469336" y="4319009"/>
+            <a:off x="7469336" y="4247001"/>
             <a:ext cx="281903" cy="421626"/>
           </a:xfrm>
           <a:prstGeom prst="straightConnector1">
@@ -16103,7 +18612,7 @@
         </p:nvCxnSpPr>
         <p:spPr bwMode="auto">
           <a:xfrm flipH="1" flipV="1">
-            <a:off x="7236070" y="4560367"/>
+            <a:off x="7236070" y="4488359"/>
             <a:ext cx="92315" cy="160950"/>
           </a:xfrm>
           <a:prstGeom prst="straightConnector1">
@@ -16148,7 +18657,7 @@
         </p:nvCxnSpPr>
         <p:spPr bwMode="auto">
           <a:xfrm flipH="1" flipV="1">
-            <a:off x="7197533" y="2692378"/>
+            <a:off x="7197533" y="2620370"/>
             <a:ext cx="53604" cy="1737769"/>
           </a:xfrm>
           <a:prstGeom prst="straightConnector1">
@@ -16193,7 +18702,7 @@
         </p:nvCxnSpPr>
         <p:spPr bwMode="auto">
           <a:xfrm flipH="1" flipV="1">
-            <a:off x="6722095" y="2420818"/>
+            <a:off x="6722095" y="2348810"/>
             <a:ext cx="362238" cy="68425"/>
           </a:xfrm>
           <a:prstGeom prst="straightConnector1">
@@ -16238,7 +18747,7 @@
         </p:nvCxnSpPr>
         <p:spPr bwMode="auto">
           <a:xfrm flipV="1">
-            <a:off x="6722095" y="1982902"/>
+            <a:off x="6722095" y="1910894"/>
             <a:ext cx="134952" cy="362650"/>
           </a:xfrm>
           <a:prstGeom prst="straightConnector1">

--- a/優化方法基礎/presentation/presentation.pptx
+++ b/優化方法基礎/presentation/presentation.pptx
@@ -17737,7 +17737,7 @@
         <p:spPr>
           <a:xfrm>
             <a:off x="276214" y="1052736"/>
-            <a:ext cx="5749038" cy="5917133"/>
+            <a:ext cx="5749038" cy="5393912"/>
           </a:xfrm>
           <a:prstGeom prst="rect">
             <a:avLst/>
@@ -17960,17 +17960,6 @@
               <a:t>很典型的非对称问题。</a:t>
             </a:r>
             <a:endParaRPr lang="en-US" altLang="zh-CN" sz="2000" dirty="0">
-              <a:latin typeface="Microsoft YaHei UI" panose="020B0503020204020204" pitchFamily="34" charset="-122"/>
-              <a:ea typeface="Microsoft YaHei UI" panose="020B0503020204020204" pitchFamily="34" charset="-122"/>
-            </a:endParaRPr>
-          </a:p>
-          <a:p>
-            <a:pPr marL="342900" indent="-342900" defTabSz="504000">
-              <a:lnSpc>
-                <a:spcPct val="150000"/>
-              </a:lnSpc>
-            </a:pPr>
-            <a:endParaRPr lang="en-US" altLang="zh-CN" sz="2000" b="0" dirty="0">
               <a:latin typeface="Microsoft YaHei UI" panose="020B0503020204020204" pitchFamily="34" charset="-122"/>
               <a:ea typeface="Microsoft YaHei UI" panose="020B0503020204020204" pitchFamily="34" charset="-122"/>
             </a:endParaRPr>
